--- a/resource/01.기능/02.[Uranus]프로세스.pptx
+++ b/resource/01.기능/02.[Uranus]프로세스.pptx
@@ -5,14 +5,15 @@
     <p:sldMasterId id="2147483648" r:id="rId1"/>
   </p:sldMasterIdLst>
   <p:notesMasterIdLst>
-    <p:notesMasterId r:id="rId7"/>
+    <p:notesMasterId r:id="rId8"/>
   </p:notesMasterIdLst>
   <p:sldIdLst>
     <p:sldId id="276" r:id="rId2"/>
     <p:sldId id="277" r:id="rId3"/>
     <p:sldId id="278" r:id="rId4"/>
     <p:sldId id="279" r:id="rId5"/>
-    <p:sldId id="270" r:id="rId6"/>
+    <p:sldId id="280" r:id="rId6"/>
+    <p:sldId id="270" r:id="rId7"/>
   </p:sldIdLst>
   <p:sldSz cx="12192000" cy="6858000"/>
   <p:notesSz cx="6858000" cy="9144000"/>
@@ -628,6 +629,90 @@
     <p:extLst>
       <p:ext uri="{BB962C8B-B14F-4D97-AF65-F5344CB8AC3E}">
         <p14:creationId xmlns:p14="http://schemas.microsoft.com/office/powerpoint/2010/main" val="1498133502"/>
+      </p:ext>
+    </p:extLst>
+  </p:cSld>
+  <p:clrMapOvr>
+    <a:masterClrMapping/>
+  </p:clrMapOvr>
+</p:notes>
+</file>
+
+<file path=ppt/notesSlides/notesSlide3.xml><?xml version="1.0" encoding="utf-8"?>
+<p:notes xmlns:a="http://schemas.openxmlformats.org/drawingml/2006/main" xmlns:r="http://schemas.openxmlformats.org/officeDocument/2006/relationships" xmlns:p="http://schemas.openxmlformats.org/presentationml/2006/main">
+  <p:cSld>
+    <p:spTree>
+      <p:nvGrpSpPr>
+        <p:cNvPr id="1" name=""/>
+        <p:cNvGrpSpPr/>
+        <p:nvPr/>
+      </p:nvGrpSpPr>
+      <p:grpSpPr>
+        <a:xfrm>
+          <a:off x="0" y="0"/>
+          <a:ext cx="0" cy="0"/>
+          <a:chOff x="0" y="0"/>
+          <a:chExt cx="0" cy="0"/>
+        </a:xfrm>
+      </p:grpSpPr>
+      <p:sp>
+        <p:nvSpPr>
+          <p:cNvPr id="2" name="슬라이드 이미지 개체 틀 1"/>
+          <p:cNvSpPr>
+            <a:spLocks noGrp="1" noRot="1" noChangeAspect="1"/>
+          </p:cNvSpPr>
+          <p:nvPr>
+            <p:ph type="sldImg"/>
+          </p:nvPr>
+        </p:nvSpPr>
+        <p:spPr/>
+      </p:sp>
+      <p:sp>
+        <p:nvSpPr>
+          <p:cNvPr id="3" name="슬라이드 노트 개체 틀 2"/>
+          <p:cNvSpPr>
+            <a:spLocks noGrp="1"/>
+          </p:cNvSpPr>
+          <p:nvPr>
+            <p:ph type="body" idx="1"/>
+          </p:nvPr>
+        </p:nvSpPr>
+        <p:spPr/>
+        <p:txBody>
+          <a:bodyPr/>
+          <a:lstStyle/>
+          <a:p>
+            <a:endParaRPr lang="ko-KR" altLang="en-US" dirty="0"/>
+          </a:p>
+        </p:txBody>
+      </p:sp>
+      <p:sp>
+        <p:nvSpPr>
+          <p:cNvPr id="4" name="슬라이드 번호 개체 틀 3"/>
+          <p:cNvSpPr>
+            <a:spLocks noGrp="1"/>
+          </p:cNvSpPr>
+          <p:nvPr>
+            <p:ph type="sldNum" sz="quarter" idx="10"/>
+          </p:nvPr>
+        </p:nvSpPr>
+        <p:spPr/>
+        <p:txBody>
+          <a:bodyPr/>
+          <a:lstStyle/>
+          <a:p>
+            <a:fld id="{B651FE52-D6C5-4168-BFBF-05706B4A17CF}" type="slidenum">
+              <a:rPr lang="ko-KR" altLang="en-US" smtClean="0"/>
+              <a:t>5</a:t>
+            </a:fld>
+            <a:endParaRPr lang="ko-KR" altLang="en-US"/>
+          </a:p>
+        </p:txBody>
+      </p:sp>
+    </p:spTree>
+    <p:extLst>
+      <p:ext uri="{BB962C8B-B14F-4D97-AF65-F5344CB8AC3E}">
+        <p14:creationId xmlns:p14="http://schemas.microsoft.com/office/powerpoint/2010/main" val="157455897"/>
       </p:ext>
     </p:extLst>
   </p:cSld>
@@ -4374,14 +4459,14 @@
       </p:sp>
       <p:sp>
         <p:nvSpPr>
-          <p:cNvPr id="4" name="순서도: 화면 표시 3"/>
+          <p:cNvPr id="6" name="순서도: 화면 표시 5"/>
           <p:cNvSpPr/>
           <p:nvPr/>
         </p:nvSpPr>
         <p:spPr>
           <a:xfrm>
-            <a:off x="1329331" y="2568722"/>
-            <a:ext cx="1552154" cy="838213"/>
+            <a:off x="3981635" y="2568721"/>
+            <a:ext cx="1763149" cy="838213"/>
           </a:xfrm>
           <a:prstGeom prst="flowChartDisplay">
             <a:avLst/>
@@ -4423,7 +4508,69 @@
                 </a:solidFill>
                 <a:latin typeface="+mn-ea"/>
               </a:rPr>
-              <a:t>로그인</a:t>
+              <a:t>회원 가입</a:t>
+            </a:r>
+            <a:endParaRPr lang="en-US" altLang="ko-KR" sz="1200" dirty="0">
+              <a:solidFill>
+                <a:schemeClr val="tx1"/>
+              </a:solidFill>
+              <a:latin typeface="+mn-ea"/>
+            </a:endParaRPr>
+          </a:p>
+        </p:txBody>
+      </p:sp>
+      <p:sp>
+        <p:nvSpPr>
+          <p:cNvPr id="9" name="순서도: 화면 표시 8"/>
+          <p:cNvSpPr/>
+          <p:nvPr/>
+        </p:nvSpPr>
+        <p:spPr>
+          <a:xfrm>
+            <a:off x="7116765" y="2568722"/>
+            <a:ext cx="1882498" cy="838213"/>
+          </a:xfrm>
+          <a:prstGeom prst="flowChartDisplay">
+            <a:avLst/>
+          </a:prstGeom>
+          <a:solidFill>
+            <a:schemeClr val="bg1"/>
+          </a:solidFill>
+          <a:ln w="15875">
+            <a:solidFill>
+              <a:schemeClr val="tx1"/>
+            </a:solidFill>
+          </a:ln>
+        </p:spPr>
+        <p:style>
+          <a:lnRef idx="2">
+            <a:schemeClr val="accent1">
+              <a:shade val="50000"/>
+            </a:schemeClr>
+          </a:lnRef>
+          <a:fillRef idx="1">
+            <a:schemeClr val="accent1"/>
+          </a:fillRef>
+          <a:effectRef idx="0">
+            <a:schemeClr val="accent1"/>
+          </a:effectRef>
+          <a:fontRef idx="minor">
+            <a:schemeClr val="lt1"/>
+          </a:fontRef>
+        </p:style>
+        <p:txBody>
+          <a:bodyPr rtlCol="0" anchor="ctr"/>
+          <a:lstStyle/>
+          <a:p>
+            <a:pPr algn="ctr"/>
+            <a:r>
+              <a:rPr lang="ko-KR" altLang="en-US" sz="1200" dirty="0" smtClean="0">
+                <a:solidFill>
+                  <a:schemeClr val="tx1"/>
+                </a:solidFill>
+                <a:latin typeface="+mn-ea"/>
+              </a:rPr>
+              <a:t>아이디 찾기</a:t>
             </a:r>
             <a:endParaRPr lang="en-US" altLang="ko-KR" sz="1200" dirty="0" smtClean="0">
               <a:solidFill>
@@ -4436,14 +4583,14 @@
       </p:sp>
       <p:sp>
         <p:nvSpPr>
-          <p:cNvPr id="6" name="순서도: 화면 표시 5"/>
+          <p:cNvPr id="12" name="순서도: 화면 표시 11"/>
           <p:cNvSpPr/>
           <p:nvPr/>
         </p:nvSpPr>
         <p:spPr>
           <a:xfrm>
-            <a:off x="3704081" y="2558228"/>
-            <a:ext cx="1763149" cy="838213"/>
+            <a:off x="2549847" y="3702834"/>
+            <a:ext cx="1580827" cy="692400"/>
           </a:xfrm>
           <a:prstGeom prst="flowChartDisplay">
             <a:avLst/>
@@ -4476,6 +4623,24 @@
         <p:txBody>
           <a:bodyPr rtlCol="0" anchor="ctr"/>
           <a:lstStyle/>
+          <a:p>
+            <a:pPr algn="ctr"/>
+            <a:r>
+              <a:rPr lang="ko-KR" altLang="en-US" sz="1200" dirty="0" smtClean="0">
+                <a:solidFill>
+                  <a:schemeClr val="tx1"/>
+                </a:solidFill>
+                <a:latin typeface="+mn-ea"/>
+              </a:rPr>
+              <a:t>구매자 </a:t>
+            </a:r>
+            <a:endParaRPr lang="en-US" altLang="ko-KR" sz="1200" dirty="0" smtClean="0">
+              <a:solidFill>
+                <a:schemeClr val="tx1"/>
+              </a:solidFill>
+              <a:latin typeface="+mn-ea"/>
+            </a:endParaRPr>
+          </a:p>
           <a:p>
             <a:pPr algn="ctr"/>
             <a:r>
@@ -4498,14 +4663,14 @@
       </p:sp>
       <p:sp>
         <p:nvSpPr>
-          <p:cNvPr id="9" name="순서도: 화면 표시 8"/>
+          <p:cNvPr id="13" name="순서도: 화면 표시 12"/>
           <p:cNvSpPr/>
           <p:nvPr/>
         </p:nvSpPr>
         <p:spPr>
           <a:xfrm>
-            <a:off x="6289826" y="2568722"/>
-            <a:ext cx="1882498" cy="838213"/>
+            <a:off x="5534802" y="3743493"/>
+            <a:ext cx="1581963" cy="651739"/>
           </a:xfrm>
           <a:prstGeom prst="flowChartDisplay">
             <a:avLst/>
@@ -4547,7 +4712,7 @@
                 </a:solidFill>
                 <a:latin typeface="+mn-ea"/>
               </a:rPr>
-              <a:t>아이디 찾기</a:t>
+              <a:t>판매자</a:t>
             </a:r>
             <a:endParaRPr lang="en-US" altLang="ko-KR" sz="1200" dirty="0" smtClean="0">
               <a:solidFill>
@@ -4556,130 +4721,6 @@
               <a:latin typeface="+mn-ea"/>
             </a:endParaRPr>
           </a:p>
-        </p:txBody>
-      </p:sp>
-      <p:sp>
-        <p:nvSpPr>
-          <p:cNvPr id="11" name="순서도: 화면 표시 10"/>
-          <p:cNvSpPr/>
-          <p:nvPr/>
-        </p:nvSpPr>
-        <p:spPr>
-          <a:xfrm>
-            <a:off x="8994920" y="2568722"/>
-            <a:ext cx="1928749" cy="838213"/>
-          </a:xfrm>
-          <a:prstGeom prst="flowChartDisplay">
-            <a:avLst/>
-          </a:prstGeom>
-          <a:solidFill>
-            <a:schemeClr val="bg1"/>
-          </a:solidFill>
-          <a:ln w="15875">
-            <a:solidFill>
-              <a:schemeClr val="tx1"/>
-            </a:solidFill>
-          </a:ln>
-        </p:spPr>
-        <p:style>
-          <a:lnRef idx="2">
-            <a:schemeClr val="accent1">
-              <a:shade val="50000"/>
-            </a:schemeClr>
-          </a:lnRef>
-          <a:fillRef idx="1">
-            <a:schemeClr val="accent1"/>
-          </a:fillRef>
-          <a:effectRef idx="0">
-            <a:schemeClr val="accent1"/>
-          </a:effectRef>
-          <a:fontRef idx="minor">
-            <a:schemeClr val="lt1"/>
-          </a:fontRef>
-        </p:style>
-        <p:txBody>
-          <a:bodyPr rtlCol="0" anchor="ctr"/>
-          <a:lstStyle/>
-          <a:p>
-            <a:pPr algn="ctr"/>
-            <a:r>
-              <a:rPr lang="ko-KR" altLang="en-US" sz="1200" dirty="0" smtClean="0">
-                <a:solidFill>
-                  <a:schemeClr val="tx1"/>
-                </a:solidFill>
-                <a:latin typeface="+mn-ea"/>
-              </a:rPr>
-              <a:t>비밀번호 찾기</a:t>
-            </a:r>
-            <a:endParaRPr lang="en-US" altLang="ko-KR" sz="1200" dirty="0" smtClean="0">
-              <a:solidFill>
-                <a:schemeClr val="tx1"/>
-              </a:solidFill>
-              <a:latin typeface="+mn-ea"/>
-            </a:endParaRPr>
-          </a:p>
-        </p:txBody>
-      </p:sp>
-      <p:sp>
-        <p:nvSpPr>
-          <p:cNvPr id="12" name="순서도: 화면 표시 11"/>
-          <p:cNvSpPr/>
-          <p:nvPr/>
-        </p:nvSpPr>
-        <p:spPr>
-          <a:xfrm>
-            <a:off x="2549847" y="3702834"/>
-            <a:ext cx="1580827" cy="692400"/>
-          </a:xfrm>
-          <a:prstGeom prst="flowChartDisplay">
-            <a:avLst/>
-          </a:prstGeom>
-          <a:solidFill>
-            <a:schemeClr val="bg1"/>
-          </a:solidFill>
-          <a:ln w="15875">
-            <a:solidFill>
-              <a:schemeClr val="tx1"/>
-            </a:solidFill>
-          </a:ln>
-        </p:spPr>
-        <p:style>
-          <a:lnRef idx="2">
-            <a:schemeClr val="accent1">
-              <a:shade val="50000"/>
-            </a:schemeClr>
-          </a:lnRef>
-          <a:fillRef idx="1">
-            <a:schemeClr val="accent1"/>
-          </a:fillRef>
-          <a:effectRef idx="0">
-            <a:schemeClr val="accent1"/>
-          </a:effectRef>
-          <a:fontRef idx="minor">
-            <a:schemeClr val="lt1"/>
-          </a:fontRef>
-        </p:style>
-        <p:txBody>
-          <a:bodyPr rtlCol="0" anchor="ctr"/>
-          <a:lstStyle/>
-          <a:p>
-            <a:pPr algn="ctr"/>
-            <a:r>
-              <a:rPr lang="ko-KR" altLang="en-US" sz="1200" dirty="0" smtClean="0">
-                <a:solidFill>
-                  <a:schemeClr val="tx1"/>
-                </a:solidFill>
-                <a:latin typeface="+mn-ea"/>
-              </a:rPr>
-              <a:t>구매자 </a:t>
-            </a:r>
-            <a:endParaRPr lang="en-US" altLang="ko-KR" sz="1200" dirty="0" smtClean="0">
-              <a:solidFill>
-                <a:schemeClr val="tx1"/>
-              </a:solidFill>
-              <a:latin typeface="+mn-ea"/>
-            </a:endParaRPr>
-          </a:p>
           <a:p>
             <a:pPr algn="ctr"/>
             <a:r>
@@ -4702,16 +4743,16 @@
       </p:sp>
       <p:sp>
         <p:nvSpPr>
-          <p:cNvPr id="13" name="순서도: 화면 표시 12"/>
+          <p:cNvPr id="22" name="순서도: 데이터 21"/>
           <p:cNvSpPr/>
           <p:nvPr/>
         </p:nvSpPr>
         <p:spPr>
           <a:xfrm>
-            <a:off x="5182006" y="3743495"/>
-            <a:ext cx="1581963" cy="651739"/>
-          </a:xfrm>
-          <a:prstGeom prst="flowChartDisplay">
+            <a:off x="2507227" y="5178670"/>
+            <a:ext cx="1623447" cy="705104"/>
+          </a:xfrm>
+          <a:prstGeom prst="flowChartInputOutput">
             <a:avLst/>
           </a:prstGeom>
           <a:solidFill>
@@ -4740,36 +4781,23 @@
           </a:fontRef>
         </p:style>
         <p:txBody>
-          <a:bodyPr rtlCol="0" anchor="ctr"/>
+          <a:bodyPr rot="0" spcFirstLastPara="0" vertOverflow="overflow" horzOverflow="overflow" vert="horz" wrap="square" lIns="91440" tIns="45720" rIns="91440" bIns="45720" numCol="1" spcCol="0" rtlCol="0" fromWordArt="0" anchor="ctr" anchorCtr="0" forceAA="0" compatLnSpc="1">
+            <a:prstTxWarp prst="textNoShape">
+              <a:avLst/>
+            </a:prstTxWarp>
+            <a:noAutofit/>
+          </a:bodyPr>
           <a:lstStyle/>
           <a:p>
             <a:pPr algn="ctr"/>
             <a:r>
-              <a:rPr lang="ko-KR" altLang="en-US" sz="1200" dirty="0" smtClean="0">
+              <a:rPr lang="ko-KR" altLang="en-US" sz="1200" dirty="0">
                 <a:solidFill>
                   <a:schemeClr val="tx1"/>
                 </a:solidFill>
                 <a:latin typeface="+mn-ea"/>
               </a:rPr>
-              <a:t>판매자</a:t>
-            </a:r>
-            <a:endParaRPr lang="en-US" altLang="ko-KR" sz="1200" dirty="0" smtClean="0">
-              <a:solidFill>
-                <a:schemeClr val="tx1"/>
-              </a:solidFill>
-              <a:latin typeface="+mn-ea"/>
-            </a:endParaRPr>
-          </a:p>
-          <a:p>
-            <a:pPr algn="ctr"/>
-            <a:r>
-              <a:rPr lang="ko-KR" altLang="en-US" sz="1200" dirty="0" smtClean="0">
-                <a:solidFill>
-                  <a:schemeClr val="tx1"/>
-                </a:solidFill>
-                <a:latin typeface="+mn-ea"/>
-              </a:rPr>
-              <a:t>회원 가입</a:t>
+              <a:t>판매자 </a:t>
             </a:r>
             <a:endParaRPr lang="en-US" altLang="ko-KR" sz="1200" dirty="0">
               <a:solidFill>
@@ -4778,55 +4806,6 @@
               <a:latin typeface="+mn-ea"/>
             </a:endParaRPr>
           </a:p>
-        </p:txBody>
-      </p:sp>
-      <p:sp>
-        <p:nvSpPr>
-          <p:cNvPr id="22" name="순서도: 데이터 21"/>
-          <p:cNvSpPr/>
-          <p:nvPr/>
-        </p:nvSpPr>
-        <p:spPr>
-          <a:xfrm>
-            <a:off x="2507227" y="5178670"/>
-            <a:ext cx="1623447" cy="705104"/>
-          </a:xfrm>
-          <a:prstGeom prst="flowChartInputOutput">
-            <a:avLst/>
-          </a:prstGeom>
-          <a:solidFill>
-            <a:schemeClr val="bg1"/>
-          </a:solidFill>
-          <a:ln w="15875">
-            <a:solidFill>
-              <a:schemeClr val="tx1"/>
-            </a:solidFill>
-          </a:ln>
-        </p:spPr>
-        <p:style>
-          <a:lnRef idx="2">
-            <a:schemeClr val="accent1">
-              <a:shade val="50000"/>
-            </a:schemeClr>
-          </a:lnRef>
-          <a:fillRef idx="1">
-            <a:schemeClr val="accent1"/>
-          </a:fillRef>
-          <a:effectRef idx="0">
-            <a:schemeClr val="accent1"/>
-          </a:effectRef>
-          <a:fontRef idx="minor">
-            <a:schemeClr val="lt1"/>
-          </a:fontRef>
-        </p:style>
-        <p:txBody>
-          <a:bodyPr rot="0" spcFirstLastPara="0" vertOverflow="overflow" horzOverflow="overflow" vert="horz" wrap="square" lIns="91440" tIns="45720" rIns="91440" bIns="45720" numCol="1" spcCol="0" rtlCol="0" fromWordArt="0" anchor="ctr" anchorCtr="0" forceAA="0" compatLnSpc="1">
-            <a:prstTxWarp prst="textNoShape">
-              <a:avLst/>
-            </a:prstTxWarp>
-            <a:noAutofit/>
-          </a:bodyPr>
-          <a:lstStyle/>
           <a:p>
             <a:pPr algn="ctr"/>
             <a:r>
@@ -4836,7 +4815,7 @@
                 </a:solidFill>
                 <a:latin typeface="+mn-ea"/>
               </a:rPr>
-              <a:t>판매자 </a:t>
+              <a:t>회원 가입</a:t>
             </a:r>
             <a:endParaRPr lang="en-US" altLang="ko-KR" sz="1200" dirty="0">
               <a:solidFill>
@@ -4854,7 +4833,7 @@
                 </a:solidFill>
                 <a:latin typeface="+mn-ea"/>
               </a:rPr>
-              <a:t>회원 가입</a:t>
+              <a:t>클릭</a:t>
             </a:r>
             <a:endParaRPr lang="en-US" altLang="ko-KR" sz="1200" dirty="0">
               <a:solidFill>
@@ -4863,24 +4842,6 @@
               <a:latin typeface="+mn-ea"/>
             </a:endParaRPr>
           </a:p>
-          <a:p>
-            <a:pPr algn="ctr"/>
-            <a:r>
-              <a:rPr lang="ko-KR" altLang="en-US" sz="1200" dirty="0">
-                <a:solidFill>
-                  <a:schemeClr val="tx1"/>
-                </a:solidFill>
-                <a:latin typeface="+mn-ea"/>
-              </a:rPr>
-              <a:t>클릭</a:t>
-            </a:r>
-            <a:endParaRPr lang="en-US" altLang="ko-KR" sz="1200" dirty="0">
-              <a:solidFill>
-                <a:schemeClr val="tx1"/>
-              </a:solidFill>
-              <a:latin typeface="+mn-ea"/>
-            </a:endParaRPr>
-          </a:p>
         </p:txBody>
       </p:sp>
       <p:sp>
@@ -4891,7 +4852,7 @@
         </p:nvSpPr>
         <p:spPr>
           <a:xfrm>
-            <a:off x="5140522" y="5178670"/>
+            <a:off x="5493318" y="5178668"/>
             <a:ext cx="1623447" cy="705104"/>
           </a:xfrm>
           <a:prstGeom prst="flowChartInputOutput">
@@ -4997,8 +4958,8 @@
         </p:nvCxnSpPr>
         <p:spPr>
           <a:xfrm>
-            <a:off x="4585656" y="3396441"/>
-            <a:ext cx="1387332" cy="347054"/>
+            <a:off x="4863210" y="3406934"/>
+            <a:ext cx="1462574" cy="336559"/>
           </a:xfrm>
           <a:prstGeom prst="straightConnector1">
             <a:avLst/>
@@ -5036,8 +4997,8 @@
         </p:nvCxnSpPr>
         <p:spPr>
           <a:xfrm flipH="1">
-            <a:off x="3340261" y="3396441"/>
-            <a:ext cx="1245395" cy="306393"/>
+            <a:off x="3340261" y="3406934"/>
+            <a:ext cx="1522949" cy="295900"/>
           </a:xfrm>
           <a:prstGeom prst="straightConnector1">
             <a:avLst/>
@@ -5075,7 +5036,7 @@
         </p:nvCxnSpPr>
         <p:spPr>
           <a:xfrm flipH="1">
-            <a:off x="5952246" y="4395234"/>
+            <a:off x="6305042" y="4395232"/>
             <a:ext cx="20742" cy="783436"/>
           </a:xfrm>
           <a:prstGeom prst="straightConnector1">
@@ -5147,14 +5108,14 @@
           <p:cNvPr id="37" name="직선 화살표 연결선 36"/>
           <p:cNvCxnSpPr>
             <a:stCxn id="3" idx="2"/>
-            <a:endCxn id="4" idx="0"/>
+            <a:endCxn id="33" idx="0"/>
           </p:cNvCxnSpPr>
           <p:nvPr/>
         </p:nvCxnSpPr>
         <p:spPr>
           <a:xfrm flipH="1">
-            <a:off x="2105408" y="1906292"/>
-            <a:ext cx="3867580" cy="662430"/>
+            <a:off x="1447563" y="1906292"/>
+            <a:ext cx="4525425" cy="662429"/>
           </a:xfrm>
           <a:prstGeom prst="straightConnector1">
             <a:avLst/>
@@ -5186,14 +5147,14 @@
           <p:cNvPr id="39" name="직선 화살표 연결선 38"/>
           <p:cNvCxnSpPr>
             <a:stCxn id="3" idx="2"/>
-            <a:endCxn id="11" idx="0"/>
+            <a:endCxn id="24" idx="0"/>
           </p:cNvCxnSpPr>
           <p:nvPr/>
         </p:nvCxnSpPr>
         <p:spPr>
           <a:xfrm>
             <a:off x="5972988" y="1906292"/>
-            <a:ext cx="3986307" cy="662430"/>
+            <a:ext cx="4755014" cy="662430"/>
           </a:xfrm>
           <a:prstGeom prst="straightConnector1">
             <a:avLst/>
@@ -5270,7 +5231,7 @@
         <p:spPr>
           <a:xfrm>
             <a:off x="5972988" y="1906292"/>
-            <a:ext cx="1258087" cy="662430"/>
+            <a:ext cx="2085026" cy="662430"/>
           </a:xfrm>
           <a:prstGeom prst="straightConnector1">
             <a:avLst/>
@@ -5308,8 +5269,8 @@
         </p:nvCxnSpPr>
         <p:spPr>
           <a:xfrm flipH="1">
-            <a:off x="4585656" y="1906292"/>
-            <a:ext cx="1387332" cy="651936"/>
+            <a:off x="4863210" y="1906292"/>
+            <a:ext cx="1109778" cy="662429"/>
           </a:xfrm>
           <a:prstGeom prst="straightConnector1">
             <a:avLst/>
@@ -5346,7 +5307,7 @@
         </p:nvCxnSpPr>
         <p:spPr>
           <a:xfrm flipH="1">
-            <a:off x="5952245" y="5883774"/>
+            <a:off x="6305041" y="5883772"/>
             <a:ext cx="1" cy="974226"/>
           </a:xfrm>
           <a:prstGeom prst="straightConnector1">
@@ -5374,6 +5335,148 @@
           </a:fontRef>
         </p:style>
       </p:cxnSp>
+      <p:sp>
+        <p:nvSpPr>
+          <p:cNvPr id="24" name="순서도: 화면 표시 23"/>
+          <p:cNvSpPr/>
+          <p:nvPr/>
+        </p:nvSpPr>
+        <p:spPr>
+          <a:xfrm>
+            <a:off x="9786753" y="2568722"/>
+            <a:ext cx="1882498" cy="838213"/>
+          </a:xfrm>
+          <a:prstGeom prst="flowChartDisplay">
+            <a:avLst/>
+          </a:prstGeom>
+          <a:solidFill>
+            <a:schemeClr val="bg1"/>
+          </a:solidFill>
+          <a:ln w="15875">
+            <a:solidFill>
+              <a:schemeClr val="tx1"/>
+            </a:solidFill>
+          </a:ln>
+        </p:spPr>
+        <p:style>
+          <a:lnRef idx="2">
+            <a:schemeClr val="accent1">
+              <a:shade val="50000"/>
+            </a:schemeClr>
+          </a:lnRef>
+          <a:fillRef idx="1">
+            <a:schemeClr val="accent1"/>
+          </a:fillRef>
+          <a:effectRef idx="0">
+            <a:schemeClr val="accent1"/>
+          </a:effectRef>
+          <a:fontRef idx="minor">
+            <a:schemeClr val="lt1"/>
+          </a:fontRef>
+        </p:style>
+        <p:txBody>
+          <a:bodyPr rtlCol="0" anchor="ctr"/>
+          <a:lstStyle/>
+          <a:p>
+            <a:pPr algn="ctr"/>
+            <a:r>
+              <a:rPr lang="ko-KR" altLang="en-US" sz="1200" dirty="0" err="1" smtClean="0">
+                <a:solidFill>
+                  <a:schemeClr val="tx1"/>
+                </a:solidFill>
+                <a:latin typeface="+mn-ea"/>
+              </a:rPr>
+              <a:t>비밀번허</a:t>
+            </a:r>
+            <a:r>
+              <a:rPr lang="ko-KR" altLang="en-US" sz="1200" dirty="0" smtClean="0">
+                <a:solidFill>
+                  <a:schemeClr val="tx1"/>
+                </a:solidFill>
+                <a:latin typeface="+mn-ea"/>
+              </a:rPr>
+              <a:t> </a:t>
+            </a:r>
+            <a:r>
+              <a:rPr lang="ko-KR" altLang="en-US" sz="1200" dirty="0" smtClean="0">
+                <a:solidFill>
+                  <a:schemeClr val="tx1"/>
+                </a:solidFill>
+                <a:latin typeface="+mn-ea"/>
+              </a:rPr>
+              <a:t>찾기</a:t>
+            </a:r>
+            <a:endParaRPr lang="en-US" altLang="ko-KR" sz="1200" dirty="0" smtClean="0">
+              <a:solidFill>
+                <a:schemeClr val="tx1"/>
+              </a:solidFill>
+              <a:latin typeface="+mn-ea"/>
+            </a:endParaRPr>
+          </a:p>
+        </p:txBody>
+      </p:sp>
+      <p:sp>
+        <p:nvSpPr>
+          <p:cNvPr id="33" name="순서도: 화면 표시 32"/>
+          <p:cNvSpPr/>
+          <p:nvPr/>
+        </p:nvSpPr>
+        <p:spPr>
+          <a:xfrm>
+            <a:off x="565988" y="2568721"/>
+            <a:ext cx="1763149" cy="838213"/>
+          </a:xfrm>
+          <a:prstGeom prst="flowChartDisplay">
+            <a:avLst/>
+          </a:prstGeom>
+          <a:solidFill>
+            <a:schemeClr val="bg1"/>
+          </a:solidFill>
+          <a:ln w="15875">
+            <a:solidFill>
+              <a:schemeClr val="tx1"/>
+            </a:solidFill>
+          </a:ln>
+        </p:spPr>
+        <p:style>
+          <a:lnRef idx="2">
+            <a:schemeClr val="accent1">
+              <a:shade val="50000"/>
+            </a:schemeClr>
+          </a:lnRef>
+          <a:fillRef idx="1">
+            <a:schemeClr val="accent1"/>
+          </a:fillRef>
+          <a:effectRef idx="0">
+            <a:schemeClr val="accent1"/>
+          </a:effectRef>
+          <a:fontRef idx="minor">
+            <a:schemeClr val="lt1"/>
+          </a:fontRef>
+        </p:style>
+        <p:txBody>
+          <a:bodyPr rtlCol="0" anchor="ctr"/>
+          <a:lstStyle/>
+          <a:p>
+            <a:pPr algn="ctr"/>
+            <a:r>
+              <a:rPr lang="ko-KR" altLang="en-US" sz="1200" dirty="0" smtClean="0">
+                <a:solidFill>
+                  <a:schemeClr val="tx1"/>
+                </a:solidFill>
+                <a:latin typeface="+mn-ea"/>
+              </a:rPr>
+              <a:t>로그인</a:t>
+            </a:r>
+            <a:endParaRPr lang="en-US" altLang="ko-KR" sz="1200" dirty="0">
+              <a:solidFill>
+                <a:schemeClr val="tx1"/>
+              </a:solidFill>
+              <a:latin typeface="+mn-ea"/>
+            </a:endParaRPr>
+          </a:p>
+        </p:txBody>
+      </p:sp>
     </p:spTree>
     <p:extLst>
       <p:ext uri="{BB962C8B-B14F-4D97-AF65-F5344CB8AC3E}">
@@ -6399,8 +6502,14 @@
                 </a:solidFill>
                 <a:latin typeface="+mn-ea"/>
               </a:rPr>
-              <a:t>이름</a:t>
-            </a:r>
+              <a:t>성명</a:t>
+            </a:r>
+            <a:endParaRPr lang="ko-KR" altLang="en-US" sz="1200" dirty="0" smtClean="0">
+              <a:solidFill>
+                <a:schemeClr val="tx1"/>
+              </a:solidFill>
+              <a:latin typeface="+mn-ea"/>
+            </a:endParaRPr>
           </a:p>
         </p:txBody>
       </p:sp>
@@ -8104,21 +8213,48 @@
                   <a:schemeClr val="tx1"/>
                 </a:solidFill>
               </a:rPr>
-              <a:t>거부 </a:t>
-            </a:r>
-            <a:r>
-              <a:rPr lang="ko-KR" altLang="en-US" sz="1200" dirty="0" err="1" smtClean="0">
-                <a:solidFill>
-                  <a:schemeClr val="tx1"/>
-                </a:solidFill>
-              </a:rPr>
-              <a:t>알림창</a:t>
-            </a:r>
-            <a:endParaRPr lang="ko-KR" altLang="en-US" sz="1200" dirty="0" smtClean="0">
+              <a:t>거부</a:t>
+            </a:r>
+            <a:endParaRPr lang="en-US" altLang="ko-KR" sz="1200" dirty="0">
               <a:solidFill>
                 <a:schemeClr val="tx1"/>
               </a:solidFill>
             </a:endParaRPr>
+          </a:p>
+          <a:p>
+            <a:pPr algn="ctr"/>
+            <a:r>
+              <a:rPr lang="en-US" altLang="ko-KR" sz="1200" dirty="0">
+                <a:solidFill>
+                  <a:schemeClr val="tx1"/>
+                </a:solidFill>
+              </a:rPr>
+              <a:t>(</a:t>
+            </a:r>
+            <a:r>
+              <a:rPr lang="ko-KR" altLang="en-US" sz="1200" dirty="0" err="1">
+                <a:solidFill>
+                  <a:schemeClr val="tx1"/>
+                </a:solidFill>
+              </a:rPr>
+              <a:t>하단표시</a:t>
+            </a:r>
+            <a:r>
+              <a:rPr lang="en-US" altLang="ko-KR" sz="1200" dirty="0">
+                <a:solidFill>
+                  <a:schemeClr val="tx1"/>
+                </a:solidFill>
+              </a:rPr>
+              <a:t>)</a:t>
+            </a:r>
+            <a:r>
+              <a:rPr lang="ko-KR" altLang="en-US" sz="1200" dirty="0">
+                <a:solidFill>
+                  <a:schemeClr val="tx1"/>
+                </a:solidFill>
+              </a:rPr>
+              <a:t> </a:t>
+            </a:r>
           </a:p>
         </p:txBody>
       </p:sp>
@@ -8172,26 +8308,53 @@
           <a:p>
             <a:pPr algn="ctr"/>
             <a:r>
-              <a:rPr lang="ko-KR" altLang="en-US" sz="1200" dirty="0" smtClean="0">
-                <a:solidFill>
-                  <a:schemeClr val="tx1"/>
-                </a:solidFill>
-              </a:rPr>
-              <a:t>확인 </a:t>
-            </a:r>
-            <a:r>
-              <a:rPr lang="ko-KR" altLang="en-US" sz="1200" dirty="0" err="1" smtClean="0">
-                <a:solidFill>
-                  <a:schemeClr val="tx1"/>
-                </a:solidFill>
-              </a:rPr>
-              <a:t>알림창</a:t>
-            </a:r>
-            <a:endParaRPr lang="ko-KR" altLang="en-US" sz="1200" dirty="0" smtClean="0">
+              <a:rPr lang="ko-KR" altLang="en-US" sz="1200" dirty="0">
+                <a:solidFill>
+                  <a:schemeClr val="tx1"/>
+                </a:solidFill>
+              </a:rPr>
+              <a:t>확인</a:t>
+            </a:r>
+            <a:endParaRPr lang="en-US" altLang="ko-KR" sz="1200" dirty="0">
               <a:solidFill>
                 <a:schemeClr val="tx1"/>
               </a:solidFill>
             </a:endParaRPr>
+          </a:p>
+          <a:p>
+            <a:pPr algn="ctr"/>
+            <a:r>
+              <a:rPr lang="en-US" altLang="ko-KR" sz="1200" dirty="0">
+                <a:solidFill>
+                  <a:schemeClr val="tx1"/>
+                </a:solidFill>
+              </a:rPr>
+              <a:t>(</a:t>
+            </a:r>
+            <a:r>
+              <a:rPr lang="ko-KR" altLang="en-US" sz="1200" dirty="0" err="1">
+                <a:solidFill>
+                  <a:schemeClr val="tx1"/>
+                </a:solidFill>
+              </a:rPr>
+              <a:t>하단표시</a:t>
+            </a:r>
+            <a:r>
+              <a:rPr lang="en-US" altLang="ko-KR" sz="1200" dirty="0">
+                <a:solidFill>
+                  <a:schemeClr val="tx1"/>
+                </a:solidFill>
+              </a:rPr>
+              <a:t>)</a:t>
+            </a:r>
+            <a:r>
+              <a:rPr lang="ko-KR" altLang="en-US" sz="1200" dirty="0">
+                <a:solidFill>
+                  <a:schemeClr val="tx1"/>
+                </a:solidFill>
+              </a:rPr>
+              <a:t> </a:t>
+            </a:r>
           </a:p>
         </p:txBody>
       </p:sp>
@@ -8941,8 +9104,8 @@
         </p:nvCxnSpPr>
         <p:spPr>
           <a:xfrm flipV="1">
-            <a:off x="7960494" y="5364776"/>
-            <a:ext cx="715608" cy="491739"/>
+            <a:off x="7960494" y="5232681"/>
+            <a:ext cx="264750" cy="623834"/>
           </a:xfrm>
           <a:prstGeom prst="straightConnector1">
             <a:avLst/>
@@ -9362,7 +9525,7 @@
         </p:nvSpPr>
         <p:spPr>
           <a:xfrm>
-            <a:off x="8676102" y="5160641"/>
+            <a:off x="8225244" y="5028546"/>
             <a:ext cx="1009790" cy="408270"/>
           </a:xfrm>
           <a:prstGeom prst="flowChartProcess">
@@ -9435,7 +9598,7 @@
         </p:nvSpPr>
         <p:spPr>
           <a:xfrm>
-            <a:off x="7998981" y="5364776"/>
+            <a:off x="7760460" y="5338949"/>
             <a:ext cx="424674" cy="276999"/>
           </a:xfrm>
           <a:prstGeom prst="rect">
@@ -9759,51 +9922,176 @@
       </p:sp>
       <p:sp>
         <p:nvSpPr>
-          <p:cNvPr id="117" name="TextBox 116"/>
-          <p:cNvSpPr txBox="1"/>
-          <p:nvPr/>
-        </p:nvSpPr>
-        <p:spPr>
-          <a:xfrm>
-            <a:off x="486586" y="125255"/>
-            <a:ext cx="1587294" cy="369332"/>
-          </a:xfrm>
-          <a:prstGeom prst="rect">
-            <a:avLst/>
-          </a:prstGeom>
-          <a:noFill/>
-        </p:spPr>
-        <p:txBody>
-          <a:bodyPr wrap="none" rtlCol="0">
-            <a:spAutoFit/>
+          <p:cNvPr id="92" name="순서도: 수동 입력 91"/>
+          <p:cNvSpPr/>
+          <p:nvPr/>
+        </p:nvSpPr>
+        <p:spPr>
+          <a:xfrm>
+            <a:off x="9457506" y="5162014"/>
+            <a:ext cx="1124684" cy="493363"/>
+          </a:xfrm>
+          <a:prstGeom prst="flowChartManualInput">
+            <a:avLst/>
+          </a:prstGeom>
+          <a:solidFill>
+            <a:schemeClr val="bg1"/>
+          </a:solidFill>
+          <a:ln w="15875">
+            <a:solidFill>
+              <a:schemeClr val="tx1"/>
+            </a:solidFill>
+          </a:ln>
+        </p:spPr>
+        <p:style>
+          <a:lnRef idx="2">
+            <a:schemeClr val="accent1">
+              <a:shade val="50000"/>
+            </a:schemeClr>
+          </a:lnRef>
+          <a:fillRef idx="1">
+            <a:schemeClr val="accent1"/>
+          </a:fillRef>
+          <a:effectRef idx="0">
+            <a:schemeClr val="accent1"/>
+          </a:effectRef>
+          <a:fontRef idx="minor">
+            <a:schemeClr val="lt1"/>
+          </a:fontRef>
+        </p:style>
+        <p:txBody>
+          <a:bodyPr rot="0" spcFirstLastPara="0" vertOverflow="overflow" horzOverflow="overflow" vert="horz" wrap="square" lIns="91440" tIns="45720" rIns="91440" bIns="45720" numCol="1" spcCol="0" rtlCol="0" fromWordArt="0" anchor="ctr" anchorCtr="0" forceAA="0" compatLnSpc="1">
+            <a:prstTxWarp prst="textNoShape">
+              <a:avLst/>
+            </a:prstTxWarp>
+            <a:noAutofit/>
           </a:bodyPr>
           <a:lstStyle/>
           <a:p>
             <a:pPr algn="ctr"/>
             <a:r>
-              <a:rPr lang="en-US" altLang="ko-KR" b="1" dirty="0" smtClean="0">
+              <a:rPr lang="ko-KR" altLang="en-US" sz="1200" dirty="0" smtClean="0">
+                <a:solidFill>
+                  <a:schemeClr val="tx1"/>
+                </a:solidFill>
                 <a:latin typeface="+mn-ea"/>
               </a:rPr>
-              <a:t>[</a:t>
-            </a:r>
-            <a:r>
-              <a:rPr lang="ko-KR" altLang="en-US" b="1" dirty="0" smtClean="0">
+              <a:t>필수 </a:t>
+            </a:r>
+            <a:r>
+              <a:rPr lang="ko-KR" altLang="en-US" sz="1200" dirty="0" smtClean="0">
+                <a:solidFill>
+                  <a:schemeClr val="tx1"/>
+                </a:solidFill>
                 <a:latin typeface="+mn-ea"/>
               </a:rPr>
-              <a:t>이메일 추가</a:t>
-            </a:r>
-            <a:r>
-              <a:rPr lang="en-US" altLang="ko-KR" b="1" dirty="0" smtClean="0">
-                <a:latin typeface="+mn-ea"/>
-              </a:rPr>
-              <a:t>]</a:t>
-            </a:r>
-            <a:endParaRPr lang="ko-KR" altLang="en-US" b="1" dirty="0">
+              <a:t>항목 </a:t>
+            </a:r>
+            <a:endParaRPr lang="en-US" altLang="ko-KR" sz="1200" dirty="0" smtClean="0">
+              <a:solidFill>
+                <a:schemeClr val="tx1"/>
+              </a:solidFill>
               <a:latin typeface="+mn-ea"/>
             </a:endParaRPr>
           </a:p>
-        </p:txBody>
-      </p:sp>
+          <a:p>
+            <a:pPr algn="ctr"/>
+            <a:r>
+              <a:rPr lang="ko-KR" altLang="en-US" sz="1200" dirty="0" smtClean="0">
+                <a:solidFill>
+                  <a:schemeClr val="tx1"/>
+                </a:solidFill>
+                <a:latin typeface="+mn-ea"/>
+              </a:rPr>
+              <a:t>재입력</a:t>
+            </a:r>
+            <a:endParaRPr lang="en-US" altLang="ko-KR" sz="1200" dirty="0" smtClean="0">
+              <a:solidFill>
+                <a:schemeClr val="tx1"/>
+              </a:solidFill>
+              <a:latin typeface="+mn-ea"/>
+            </a:endParaRPr>
+          </a:p>
+        </p:txBody>
+      </p:sp>
+      <p:cxnSp>
+        <p:nvCxnSpPr>
+          <p:cNvPr id="96" name="직선 화살표 연결선 95"/>
+          <p:cNvCxnSpPr>
+            <a:stCxn id="306" idx="3"/>
+            <a:endCxn id="92" idx="1"/>
+          </p:cNvCxnSpPr>
+          <p:nvPr/>
+        </p:nvCxnSpPr>
+        <p:spPr>
+          <a:xfrm>
+            <a:off x="9235034" y="5232681"/>
+            <a:ext cx="222472" cy="176015"/>
+          </a:xfrm>
+          <a:prstGeom prst="straightConnector1">
+            <a:avLst/>
+          </a:prstGeom>
+          <a:ln w="15875">
+            <a:solidFill>
+              <a:schemeClr val="tx1"/>
+            </a:solidFill>
+            <a:tailEnd type="stealth"/>
+          </a:ln>
+        </p:spPr>
+        <p:style>
+          <a:lnRef idx="1">
+            <a:schemeClr val="accent1"/>
+          </a:lnRef>
+          <a:fillRef idx="0">
+            <a:schemeClr val="accent1"/>
+          </a:fillRef>
+          <a:effectRef idx="0">
+            <a:schemeClr val="accent1"/>
+          </a:effectRef>
+          <a:fontRef idx="minor">
+            <a:schemeClr val="tx1"/>
+          </a:fontRef>
+        </p:style>
+      </p:cxnSp>
+      <p:cxnSp>
+        <p:nvCxnSpPr>
+          <p:cNvPr id="98" name="직선 화살표 연결선 97"/>
+          <p:cNvCxnSpPr>
+            <a:stCxn id="92" idx="2"/>
+            <a:endCxn id="193" idx="0"/>
+          </p:cNvCxnSpPr>
+          <p:nvPr/>
+        </p:nvCxnSpPr>
+        <p:spPr>
+          <a:xfrm flipH="1">
+            <a:off x="7960494" y="5655377"/>
+            <a:ext cx="2059354" cy="201138"/>
+          </a:xfrm>
+          <a:prstGeom prst="straightConnector1">
+            <a:avLst/>
+          </a:prstGeom>
+          <a:ln w="15875">
+            <a:solidFill>
+              <a:schemeClr val="tx1"/>
+            </a:solidFill>
+            <a:tailEnd type="stealth"/>
+          </a:ln>
+        </p:spPr>
+        <p:style>
+          <a:lnRef idx="1">
+            <a:schemeClr val="accent1"/>
+          </a:lnRef>
+          <a:fillRef idx="0">
+            <a:schemeClr val="accent1"/>
+          </a:fillRef>
+          <a:effectRef idx="0">
+            <a:schemeClr val="accent1"/>
+          </a:effectRef>
+          <a:fontRef idx="minor">
+            <a:schemeClr val="tx1"/>
+          </a:fontRef>
+        </p:style>
+      </p:cxnSp>
     </p:spTree>
     <p:extLst>
       <p:ext uri="{BB962C8B-B14F-4D97-AF65-F5344CB8AC3E}">
@@ -12450,21 +12738,48 @@
                   <a:schemeClr val="tx1"/>
                 </a:solidFill>
               </a:rPr>
-              <a:t>거부 </a:t>
-            </a:r>
-            <a:r>
-              <a:rPr lang="ko-KR" altLang="en-US" sz="1200" dirty="0" err="1" smtClean="0">
-                <a:solidFill>
-                  <a:schemeClr val="tx1"/>
-                </a:solidFill>
-              </a:rPr>
-              <a:t>알림창</a:t>
-            </a:r>
-            <a:endParaRPr lang="ko-KR" altLang="en-US" sz="1200" dirty="0" smtClean="0">
+              <a:t>거부</a:t>
+            </a:r>
+            <a:endParaRPr lang="en-US" altLang="ko-KR" sz="1200" dirty="0">
               <a:solidFill>
                 <a:schemeClr val="tx1"/>
               </a:solidFill>
             </a:endParaRPr>
+          </a:p>
+          <a:p>
+            <a:pPr algn="ctr"/>
+            <a:r>
+              <a:rPr lang="en-US" altLang="ko-KR" sz="1200" dirty="0">
+                <a:solidFill>
+                  <a:schemeClr val="tx1"/>
+                </a:solidFill>
+              </a:rPr>
+              <a:t>(</a:t>
+            </a:r>
+            <a:r>
+              <a:rPr lang="ko-KR" altLang="en-US" sz="1200" dirty="0" err="1">
+                <a:solidFill>
+                  <a:schemeClr val="tx1"/>
+                </a:solidFill>
+              </a:rPr>
+              <a:t>하단표시</a:t>
+            </a:r>
+            <a:r>
+              <a:rPr lang="en-US" altLang="ko-KR" sz="1200" dirty="0">
+                <a:solidFill>
+                  <a:schemeClr val="tx1"/>
+                </a:solidFill>
+              </a:rPr>
+              <a:t>)</a:t>
+            </a:r>
+            <a:r>
+              <a:rPr lang="ko-KR" altLang="en-US" sz="1200" dirty="0">
+                <a:solidFill>
+                  <a:schemeClr val="tx1"/>
+                </a:solidFill>
+              </a:rPr>
+              <a:t> </a:t>
+            </a:r>
           </a:p>
         </p:txBody>
       </p:sp>
@@ -12518,22 +12833,46 @@
           <a:p>
             <a:pPr algn="ctr"/>
             <a:r>
-              <a:rPr lang="ko-KR" altLang="en-US" sz="1200" dirty="0" smtClean="0">
-                <a:solidFill>
-                  <a:schemeClr val="tx1"/>
-                </a:solidFill>
-              </a:rPr>
-              <a:t>확인 </a:t>
-            </a:r>
-            <a:r>
-              <a:rPr lang="ko-KR" altLang="en-US" sz="1200" dirty="0" err="1" smtClean="0">
-                <a:solidFill>
-                  <a:schemeClr val="tx1"/>
-                </a:solidFill>
-              </a:rPr>
-              <a:t>알림창</a:t>
-            </a:r>
-            <a:endParaRPr lang="ko-KR" altLang="en-US" sz="1200" dirty="0" smtClean="0">
+              <a:rPr lang="ko-KR" altLang="en-US" sz="1200" dirty="0">
+                <a:solidFill>
+                  <a:schemeClr val="tx1"/>
+                </a:solidFill>
+              </a:rPr>
+              <a:t>확인</a:t>
+            </a:r>
+            <a:endParaRPr lang="en-US" altLang="ko-KR" sz="1200" dirty="0">
+              <a:solidFill>
+                <a:schemeClr val="tx1"/>
+              </a:solidFill>
+            </a:endParaRPr>
+          </a:p>
+          <a:p>
+            <a:pPr algn="ctr"/>
+            <a:r>
+              <a:rPr lang="en-US" altLang="ko-KR" sz="1200" dirty="0">
+                <a:solidFill>
+                  <a:schemeClr val="tx1"/>
+                </a:solidFill>
+              </a:rPr>
+              <a:t>(</a:t>
+            </a:r>
+            <a:r>
+              <a:rPr lang="ko-KR" altLang="en-US" sz="1200" dirty="0" err="1">
+                <a:solidFill>
+                  <a:schemeClr val="tx1"/>
+                </a:solidFill>
+              </a:rPr>
+              <a:t>하단표시</a:t>
+            </a:r>
+            <a:r>
+              <a:rPr lang="en-US" altLang="ko-KR" sz="1200" dirty="0" smtClean="0">
+                <a:solidFill>
+                  <a:schemeClr val="tx1"/>
+                </a:solidFill>
+              </a:rPr>
+              <a:t>)</a:t>
+            </a:r>
+            <a:endParaRPr lang="ko-KR" altLang="en-US" sz="1200" dirty="0">
               <a:solidFill>
                 <a:schemeClr val="tx1"/>
               </a:solidFill>
@@ -12885,8 +13224,14 @@
                 </a:solidFill>
                 <a:latin typeface="+mn-ea"/>
               </a:rPr>
-              <a:t>가입완료</a:t>
-            </a:r>
+              <a:t>가입승인대기</a:t>
+            </a:r>
+            <a:endParaRPr lang="ko-KR" altLang="en-US" sz="1000" dirty="0" smtClean="0">
+              <a:solidFill>
+                <a:schemeClr val="tx1"/>
+              </a:solidFill>
+              <a:latin typeface="+mn-ea"/>
+            </a:endParaRPr>
           </a:p>
         </p:txBody>
       </p:sp>
@@ -15509,7 +15854,43 @@
                 </a:solidFill>
                 <a:latin typeface="+mn-ea"/>
               </a:rPr>
-              <a:t>필수 항목들 재입력</a:t>
+              <a:t>필수 </a:t>
+            </a:r>
+            <a:r>
+              <a:rPr lang="ko-KR" altLang="en-US" sz="1200" dirty="0" smtClean="0">
+                <a:solidFill>
+                  <a:schemeClr val="tx1"/>
+                </a:solidFill>
+                <a:latin typeface="+mn-ea"/>
+              </a:rPr>
+              <a:t>항목</a:t>
+            </a:r>
+            <a:endParaRPr lang="en-US" altLang="ko-KR" sz="1200" dirty="0" smtClean="0">
+              <a:solidFill>
+                <a:schemeClr val="tx1"/>
+              </a:solidFill>
+              <a:latin typeface="+mn-ea"/>
+            </a:endParaRPr>
+          </a:p>
+          <a:p>
+            <a:pPr algn="ctr"/>
+            <a:r>
+              <a:rPr lang="ko-KR" altLang="en-US" sz="1200" dirty="0" smtClean="0">
+                <a:solidFill>
+                  <a:schemeClr val="tx1"/>
+                </a:solidFill>
+                <a:latin typeface="+mn-ea"/>
+              </a:rPr>
+              <a:t> </a:t>
+            </a:r>
+            <a:r>
+              <a:rPr lang="ko-KR" altLang="en-US" sz="1200" dirty="0" smtClean="0">
+                <a:solidFill>
+                  <a:schemeClr val="tx1"/>
+                </a:solidFill>
+                <a:latin typeface="+mn-ea"/>
+              </a:rPr>
+              <a:t>재입력</a:t>
             </a:r>
             <a:endParaRPr lang="en-US" altLang="ko-KR" sz="1200" dirty="0" smtClean="0">
               <a:solidFill>
@@ -15651,6 +16032,2822 @@
 </file>
 
 <file path=ppt/slides/slide5.xml><?xml version="1.0" encoding="utf-8"?>
+<p:sld xmlns:a="http://schemas.openxmlformats.org/drawingml/2006/main" xmlns:r="http://schemas.openxmlformats.org/officeDocument/2006/relationships" xmlns:p="http://schemas.openxmlformats.org/presentationml/2006/main">
+  <p:cSld>
+    <p:spTree>
+      <p:nvGrpSpPr>
+        <p:cNvPr id="1" name=""/>
+        <p:cNvGrpSpPr/>
+        <p:nvPr/>
+      </p:nvGrpSpPr>
+      <p:grpSpPr>
+        <a:xfrm>
+          <a:off x="0" y="0"/>
+          <a:ext cx="0" cy="0"/>
+          <a:chOff x="0" y="0"/>
+          <a:chExt cx="0" cy="0"/>
+        </a:xfrm>
+      </p:grpSpPr>
+      <p:sp>
+        <p:nvSpPr>
+          <p:cNvPr id="3" name="TextBox 2"/>
+          <p:cNvSpPr txBox="1"/>
+          <p:nvPr/>
+        </p:nvSpPr>
+        <p:spPr>
+          <a:xfrm>
+            <a:off x="4934278" y="244746"/>
+            <a:ext cx="2130711" cy="369332"/>
+          </a:xfrm>
+          <a:prstGeom prst="rect">
+            <a:avLst/>
+          </a:prstGeom>
+          <a:noFill/>
+        </p:spPr>
+        <p:txBody>
+          <a:bodyPr wrap="none" rtlCol="0">
+            <a:spAutoFit/>
+          </a:bodyPr>
+          <a:lstStyle/>
+          <a:p>
+            <a:pPr algn="ctr"/>
+            <a:r>
+              <a:rPr lang="en-US" altLang="ko-KR" b="1" dirty="0" smtClean="0">
+                <a:latin typeface="+mn-ea"/>
+              </a:rPr>
+              <a:t>[</a:t>
+            </a:r>
+            <a:r>
+              <a:rPr lang="ko-KR" altLang="en-US" b="1" dirty="0" smtClean="0">
+                <a:latin typeface="+mn-ea"/>
+              </a:rPr>
+              <a:t>관리</a:t>
+            </a:r>
+            <a:r>
+              <a:rPr lang="ko-KR" altLang="en-US" b="1" dirty="0" smtClean="0">
+                <a:latin typeface="+mn-ea"/>
+              </a:rPr>
+              <a:t>자 </a:t>
+            </a:r>
+            <a:r>
+              <a:rPr lang="ko-KR" altLang="en-US" b="1" dirty="0" smtClean="0">
+                <a:latin typeface="+mn-ea"/>
+              </a:rPr>
+              <a:t>회원 가입</a:t>
+            </a:r>
+            <a:r>
+              <a:rPr lang="en-US" altLang="ko-KR" b="1" dirty="0" smtClean="0">
+                <a:latin typeface="+mn-ea"/>
+              </a:rPr>
+              <a:t>]</a:t>
+            </a:r>
+            <a:endParaRPr lang="ko-KR" altLang="en-US" b="1" dirty="0">
+              <a:latin typeface="+mn-ea"/>
+            </a:endParaRPr>
+          </a:p>
+        </p:txBody>
+      </p:sp>
+      <p:cxnSp>
+        <p:nvCxnSpPr>
+          <p:cNvPr id="59" name="직선 화살표 연결선 58"/>
+          <p:cNvCxnSpPr>
+            <a:stCxn id="116" idx="3"/>
+            <a:endCxn id="107" idx="1"/>
+          </p:cNvCxnSpPr>
+          <p:nvPr/>
+        </p:nvCxnSpPr>
+        <p:spPr>
+          <a:xfrm>
+            <a:off x="4628961" y="1826112"/>
+            <a:ext cx="735711" cy="0"/>
+          </a:xfrm>
+          <a:prstGeom prst="straightConnector1">
+            <a:avLst/>
+          </a:prstGeom>
+          <a:ln w="15875">
+            <a:solidFill>
+              <a:schemeClr val="tx1"/>
+            </a:solidFill>
+            <a:tailEnd type="stealth"/>
+          </a:ln>
+        </p:spPr>
+        <p:style>
+          <a:lnRef idx="1">
+            <a:schemeClr val="accent1"/>
+          </a:lnRef>
+          <a:fillRef idx="0">
+            <a:schemeClr val="accent1"/>
+          </a:fillRef>
+          <a:effectRef idx="0">
+            <a:schemeClr val="accent1"/>
+          </a:effectRef>
+          <a:fontRef idx="minor">
+            <a:schemeClr val="tx1"/>
+          </a:fontRef>
+        </p:style>
+      </p:cxnSp>
+      <p:cxnSp>
+        <p:nvCxnSpPr>
+          <p:cNvPr id="61" name="직선 화살표 연결선 60"/>
+          <p:cNvCxnSpPr>
+            <a:stCxn id="107" idx="3"/>
+            <a:endCxn id="118" idx="1"/>
+          </p:cNvCxnSpPr>
+          <p:nvPr/>
+        </p:nvCxnSpPr>
+        <p:spPr>
+          <a:xfrm>
+            <a:off x="7164672" y="1826112"/>
+            <a:ext cx="738618" cy="0"/>
+          </a:xfrm>
+          <a:prstGeom prst="straightConnector1">
+            <a:avLst/>
+          </a:prstGeom>
+          <a:ln w="15875">
+            <a:solidFill>
+              <a:schemeClr val="tx1"/>
+            </a:solidFill>
+            <a:tailEnd type="stealth"/>
+          </a:ln>
+        </p:spPr>
+        <p:style>
+          <a:lnRef idx="1">
+            <a:schemeClr val="accent1"/>
+          </a:lnRef>
+          <a:fillRef idx="0">
+            <a:schemeClr val="accent1"/>
+          </a:fillRef>
+          <a:effectRef idx="0">
+            <a:schemeClr val="accent1"/>
+          </a:effectRef>
+          <a:fontRef idx="minor">
+            <a:schemeClr val="tx1"/>
+          </a:fontRef>
+        </p:style>
+      </p:cxnSp>
+      <p:cxnSp>
+        <p:nvCxnSpPr>
+          <p:cNvPr id="62" name="직선 화살표 연결선 61"/>
+          <p:cNvCxnSpPr>
+            <a:stCxn id="107" idx="0"/>
+            <a:endCxn id="117" idx="3"/>
+          </p:cNvCxnSpPr>
+          <p:nvPr/>
+        </p:nvCxnSpPr>
+        <p:spPr>
+          <a:xfrm flipH="1" flipV="1">
+            <a:off x="5364673" y="1124921"/>
+            <a:ext cx="899999" cy="431191"/>
+          </a:xfrm>
+          <a:prstGeom prst="straightConnector1">
+            <a:avLst/>
+          </a:prstGeom>
+          <a:ln w="15875">
+            <a:solidFill>
+              <a:schemeClr val="tx1"/>
+            </a:solidFill>
+            <a:tailEnd type="stealth"/>
+          </a:ln>
+        </p:spPr>
+        <p:style>
+          <a:lnRef idx="1">
+            <a:schemeClr val="accent1"/>
+          </a:lnRef>
+          <a:fillRef idx="0">
+            <a:schemeClr val="accent1"/>
+          </a:fillRef>
+          <a:effectRef idx="0">
+            <a:schemeClr val="accent1"/>
+          </a:effectRef>
+          <a:fontRef idx="minor">
+            <a:schemeClr val="tx1"/>
+          </a:fontRef>
+        </p:style>
+      </p:cxnSp>
+      <p:cxnSp>
+        <p:nvCxnSpPr>
+          <p:cNvPr id="93" name="직선 화살표 연결선 92"/>
+          <p:cNvCxnSpPr>
+            <a:stCxn id="109" idx="1"/>
+            <a:endCxn id="156" idx="3"/>
+          </p:cNvCxnSpPr>
+          <p:nvPr/>
+        </p:nvCxnSpPr>
+        <p:spPr>
+          <a:xfrm flipH="1">
+            <a:off x="9030945" y="4067499"/>
+            <a:ext cx="415049" cy="0"/>
+          </a:xfrm>
+          <a:prstGeom prst="straightConnector1">
+            <a:avLst/>
+          </a:prstGeom>
+          <a:ln w="15875">
+            <a:solidFill>
+              <a:schemeClr val="tx1"/>
+            </a:solidFill>
+            <a:tailEnd type="stealth"/>
+          </a:ln>
+        </p:spPr>
+        <p:style>
+          <a:lnRef idx="1">
+            <a:schemeClr val="accent1"/>
+          </a:lnRef>
+          <a:fillRef idx="0">
+            <a:schemeClr val="accent1"/>
+          </a:fillRef>
+          <a:effectRef idx="0">
+            <a:schemeClr val="accent1"/>
+          </a:effectRef>
+          <a:fontRef idx="minor">
+            <a:schemeClr val="tx1"/>
+          </a:fontRef>
+        </p:style>
+      </p:cxnSp>
+      <p:cxnSp>
+        <p:nvCxnSpPr>
+          <p:cNvPr id="94" name="직선 화살표 연결선 93"/>
+          <p:cNvCxnSpPr>
+            <a:stCxn id="109" idx="0"/>
+            <a:endCxn id="158" idx="2"/>
+          </p:cNvCxnSpPr>
+          <p:nvPr/>
+        </p:nvCxnSpPr>
+        <p:spPr>
+          <a:xfrm flipH="1" flipV="1">
+            <a:off x="9518550" y="3516147"/>
+            <a:ext cx="827444" cy="281352"/>
+          </a:xfrm>
+          <a:prstGeom prst="straightConnector1">
+            <a:avLst/>
+          </a:prstGeom>
+          <a:ln w="15875">
+            <a:solidFill>
+              <a:schemeClr val="tx1"/>
+            </a:solidFill>
+            <a:tailEnd type="stealth"/>
+          </a:ln>
+        </p:spPr>
+        <p:style>
+          <a:lnRef idx="1">
+            <a:schemeClr val="accent1"/>
+          </a:lnRef>
+          <a:fillRef idx="0">
+            <a:schemeClr val="accent1"/>
+          </a:fillRef>
+          <a:effectRef idx="0">
+            <a:schemeClr val="accent1"/>
+          </a:effectRef>
+          <a:fontRef idx="minor">
+            <a:schemeClr val="tx1"/>
+          </a:fontRef>
+        </p:style>
+      </p:cxnSp>
+      <p:cxnSp>
+        <p:nvCxnSpPr>
+          <p:cNvPr id="95" name="직선 화살표 연결선 94"/>
+          <p:cNvCxnSpPr>
+            <a:stCxn id="156" idx="1"/>
+            <a:endCxn id="177" idx="3"/>
+          </p:cNvCxnSpPr>
+          <p:nvPr/>
+        </p:nvCxnSpPr>
+        <p:spPr>
+          <a:xfrm flipH="1">
+            <a:off x="6982946" y="4067499"/>
+            <a:ext cx="967999" cy="459"/>
+          </a:xfrm>
+          <a:prstGeom prst="straightConnector1">
+            <a:avLst/>
+          </a:prstGeom>
+          <a:ln w="15875">
+            <a:solidFill>
+              <a:schemeClr val="tx1"/>
+            </a:solidFill>
+            <a:tailEnd type="stealth"/>
+          </a:ln>
+        </p:spPr>
+        <p:style>
+          <a:lnRef idx="1">
+            <a:schemeClr val="accent1"/>
+          </a:lnRef>
+          <a:fillRef idx="0">
+            <a:schemeClr val="accent1"/>
+          </a:fillRef>
+          <a:effectRef idx="0">
+            <a:schemeClr val="accent1"/>
+          </a:effectRef>
+          <a:fontRef idx="minor">
+            <a:schemeClr val="tx1"/>
+          </a:fontRef>
+        </p:style>
+      </p:cxnSp>
+      <p:sp>
+        <p:nvSpPr>
+          <p:cNvPr id="103" name="TextBox 102"/>
+          <p:cNvSpPr txBox="1"/>
+          <p:nvPr/>
+        </p:nvSpPr>
+        <p:spPr>
+          <a:xfrm>
+            <a:off x="5592350" y="1267943"/>
+            <a:ext cx="521569" cy="276999"/>
+          </a:xfrm>
+          <a:prstGeom prst="rect">
+            <a:avLst/>
+          </a:prstGeom>
+          <a:noFill/>
+        </p:spPr>
+        <p:txBody>
+          <a:bodyPr wrap="square" rtlCol="0">
+            <a:spAutoFit/>
+          </a:bodyPr>
+          <a:lstStyle/>
+          <a:p>
+            <a:r>
+              <a:rPr lang="en-US" altLang="ko-KR" sz="1200" dirty="0" smtClean="0">
+                <a:latin typeface="+mn-ea"/>
+              </a:rPr>
+              <a:t>No</a:t>
+            </a:r>
+            <a:endParaRPr lang="ko-KR" altLang="en-US" sz="1200" dirty="0">
+              <a:latin typeface="+mn-ea"/>
+            </a:endParaRPr>
+          </a:p>
+        </p:txBody>
+      </p:sp>
+      <p:sp>
+        <p:nvSpPr>
+          <p:cNvPr id="105" name="TextBox 104"/>
+          <p:cNvSpPr txBox="1"/>
+          <p:nvPr/>
+        </p:nvSpPr>
+        <p:spPr>
+          <a:xfrm>
+            <a:off x="7146051" y="1552651"/>
+            <a:ext cx="405752" cy="276999"/>
+          </a:xfrm>
+          <a:prstGeom prst="rect">
+            <a:avLst/>
+          </a:prstGeom>
+          <a:noFill/>
+        </p:spPr>
+        <p:txBody>
+          <a:bodyPr wrap="square" rtlCol="0">
+            <a:spAutoFit/>
+          </a:bodyPr>
+          <a:lstStyle/>
+          <a:p>
+            <a:r>
+              <a:rPr lang="en-US" altLang="ko-KR" sz="1200" dirty="0" smtClean="0">
+                <a:latin typeface="+mn-ea"/>
+              </a:rPr>
+              <a:t>Yes</a:t>
+            </a:r>
+            <a:endParaRPr lang="ko-KR" altLang="en-US" sz="1200" dirty="0">
+              <a:latin typeface="+mn-ea"/>
+            </a:endParaRPr>
+          </a:p>
+        </p:txBody>
+      </p:sp>
+      <p:cxnSp>
+        <p:nvCxnSpPr>
+          <p:cNvPr id="148" name="직선 화살표 연결선 147"/>
+          <p:cNvCxnSpPr>
+            <a:stCxn id="178" idx="1"/>
+            <a:endCxn id="187" idx="3"/>
+          </p:cNvCxnSpPr>
+          <p:nvPr/>
+        </p:nvCxnSpPr>
+        <p:spPr>
+          <a:xfrm flipH="1">
+            <a:off x="2285740" y="4067958"/>
+            <a:ext cx="938629" cy="9480"/>
+          </a:xfrm>
+          <a:prstGeom prst="straightConnector1">
+            <a:avLst/>
+          </a:prstGeom>
+          <a:ln w="15875">
+            <a:solidFill>
+              <a:schemeClr val="tx1"/>
+            </a:solidFill>
+            <a:tailEnd type="stealth"/>
+          </a:ln>
+        </p:spPr>
+        <p:style>
+          <a:lnRef idx="1">
+            <a:schemeClr val="accent1"/>
+          </a:lnRef>
+          <a:fillRef idx="0">
+            <a:schemeClr val="accent1"/>
+          </a:fillRef>
+          <a:effectRef idx="0">
+            <a:schemeClr val="accent1"/>
+          </a:effectRef>
+          <a:fontRef idx="minor">
+            <a:schemeClr val="tx1"/>
+          </a:fontRef>
+        </p:style>
+      </p:cxnSp>
+      <p:cxnSp>
+        <p:nvCxnSpPr>
+          <p:cNvPr id="150" name="직선 화살표 연결선 149"/>
+          <p:cNvCxnSpPr>
+            <a:stCxn id="178" idx="0"/>
+            <a:endCxn id="181" idx="2"/>
+          </p:cNvCxnSpPr>
+          <p:nvPr/>
+        </p:nvCxnSpPr>
+        <p:spPr>
+          <a:xfrm flipV="1">
+            <a:off x="4124369" y="3326169"/>
+            <a:ext cx="262438" cy="471789"/>
+          </a:xfrm>
+          <a:prstGeom prst="straightConnector1">
+            <a:avLst/>
+          </a:prstGeom>
+          <a:ln w="15875">
+            <a:solidFill>
+              <a:schemeClr val="tx1"/>
+            </a:solidFill>
+            <a:tailEnd type="stealth"/>
+          </a:ln>
+        </p:spPr>
+        <p:style>
+          <a:lnRef idx="1">
+            <a:schemeClr val="accent1"/>
+          </a:lnRef>
+          <a:fillRef idx="0">
+            <a:schemeClr val="accent1"/>
+          </a:fillRef>
+          <a:effectRef idx="0">
+            <a:schemeClr val="accent1"/>
+          </a:effectRef>
+          <a:fontRef idx="minor">
+            <a:schemeClr val="tx1"/>
+          </a:fontRef>
+        </p:style>
+      </p:cxnSp>
+      <p:cxnSp>
+        <p:nvCxnSpPr>
+          <p:cNvPr id="153" name="직선 화살표 연결선 152"/>
+          <p:cNvCxnSpPr>
+            <a:stCxn id="196" idx="3"/>
+            <a:endCxn id="249" idx="1"/>
+          </p:cNvCxnSpPr>
+          <p:nvPr/>
+        </p:nvCxnSpPr>
+        <p:spPr>
+          <a:xfrm flipV="1">
+            <a:off x="4760617" y="6293045"/>
+            <a:ext cx="974157" cy="13049"/>
+          </a:xfrm>
+          <a:prstGeom prst="straightConnector1">
+            <a:avLst/>
+          </a:prstGeom>
+          <a:ln w="15875">
+            <a:solidFill>
+              <a:schemeClr val="tx1"/>
+            </a:solidFill>
+            <a:tailEnd type="stealth"/>
+          </a:ln>
+        </p:spPr>
+        <p:style>
+          <a:lnRef idx="1">
+            <a:schemeClr val="accent1"/>
+          </a:lnRef>
+          <a:fillRef idx="0">
+            <a:schemeClr val="accent1"/>
+          </a:fillRef>
+          <a:effectRef idx="0">
+            <a:schemeClr val="accent1"/>
+          </a:effectRef>
+          <a:fontRef idx="minor">
+            <a:schemeClr val="tx1"/>
+          </a:fontRef>
+        </p:style>
+      </p:cxnSp>
+      <p:cxnSp>
+        <p:nvCxnSpPr>
+          <p:cNvPr id="154" name="직선 화살표 연결선 153"/>
+          <p:cNvCxnSpPr>
+            <a:stCxn id="177" idx="1"/>
+            <a:endCxn id="178" idx="3"/>
+          </p:cNvCxnSpPr>
+          <p:nvPr/>
+        </p:nvCxnSpPr>
+        <p:spPr>
+          <a:xfrm flipH="1">
+            <a:off x="5024369" y="4067958"/>
+            <a:ext cx="710406" cy="0"/>
+          </a:xfrm>
+          <a:prstGeom prst="straightConnector1">
+            <a:avLst/>
+          </a:prstGeom>
+          <a:ln w="15875">
+            <a:solidFill>
+              <a:schemeClr val="tx1"/>
+            </a:solidFill>
+            <a:tailEnd type="stealth"/>
+          </a:ln>
+        </p:spPr>
+        <p:style>
+          <a:lnRef idx="1">
+            <a:schemeClr val="accent1"/>
+          </a:lnRef>
+          <a:fillRef idx="0">
+            <a:schemeClr val="accent1"/>
+          </a:fillRef>
+          <a:effectRef idx="0">
+            <a:schemeClr val="accent1"/>
+          </a:effectRef>
+          <a:fontRef idx="minor">
+            <a:schemeClr val="tx1"/>
+          </a:fontRef>
+        </p:style>
+      </p:cxnSp>
+      <p:cxnSp>
+        <p:nvCxnSpPr>
+          <p:cNvPr id="157" name="직선 화살표 연결선 156"/>
+          <p:cNvCxnSpPr>
+            <a:stCxn id="117" idx="1"/>
+            <a:endCxn id="116" idx="0"/>
+          </p:cNvCxnSpPr>
+          <p:nvPr/>
+        </p:nvCxnSpPr>
+        <p:spPr>
+          <a:xfrm flipH="1">
+            <a:off x="4004876" y="1124921"/>
+            <a:ext cx="279797" cy="485191"/>
+          </a:xfrm>
+          <a:prstGeom prst="straightConnector1">
+            <a:avLst/>
+          </a:prstGeom>
+          <a:ln w="15875">
+            <a:solidFill>
+              <a:schemeClr val="tx1"/>
+            </a:solidFill>
+            <a:tailEnd type="stealth"/>
+          </a:ln>
+        </p:spPr>
+        <p:style>
+          <a:lnRef idx="1">
+            <a:schemeClr val="accent1"/>
+          </a:lnRef>
+          <a:fillRef idx="0">
+            <a:schemeClr val="accent1"/>
+          </a:fillRef>
+          <a:effectRef idx="0">
+            <a:schemeClr val="accent1"/>
+          </a:effectRef>
+          <a:fontRef idx="minor">
+            <a:schemeClr val="tx1"/>
+          </a:fontRef>
+        </p:style>
+      </p:cxnSp>
+      <p:sp>
+        <p:nvSpPr>
+          <p:cNvPr id="163" name="TextBox 162"/>
+          <p:cNvSpPr txBox="1"/>
+          <p:nvPr/>
+        </p:nvSpPr>
+        <p:spPr>
+          <a:xfrm>
+            <a:off x="9087896" y="4110798"/>
+            <a:ext cx="405752" cy="276999"/>
+          </a:xfrm>
+          <a:prstGeom prst="rect">
+            <a:avLst/>
+          </a:prstGeom>
+          <a:noFill/>
+        </p:spPr>
+        <p:txBody>
+          <a:bodyPr wrap="none" rtlCol="0">
+            <a:spAutoFit/>
+          </a:bodyPr>
+          <a:lstStyle/>
+          <a:p>
+            <a:r>
+              <a:rPr lang="en-US" altLang="ko-KR" sz="1200" dirty="0" smtClean="0">
+                <a:latin typeface="+mn-ea"/>
+              </a:rPr>
+              <a:t>Yes</a:t>
+            </a:r>
+            <a:endParaRPr lang="ko-KR" altLang="en-US" sz="1200" dirty="0">
+              <a:latin typeface="+mn-ea"/>
+            </a:endParaRPr>
+          </a:p>
+        </p:txBody>
+      </p:sp>
+      <p:sp>
+        <p:nvSpPr>
+          <p:cNvPr id="164" name="TextBox 163"/>
+          <p:cNvSpPr txBox="1"/>
+          <p:nvPr/>
+        </p:nvSpPr>
+        <p:spPr>
+          <a:xfrm>
+            <a:off x="9621464" y="3569178"/>
+            <a:ext cx="424674" cy="276999"/>
+          </a:xfrm>
+          <a:prstGeom prst="rect">
+            <a:avLst/>
+          </a:prstGeom>
+          <a:noFill/>
+        </p:spPr>
+        <p:txBody>
+          <a:bodyPr wrap="square" rtlCol="0">
+            <a:spAutoFit/>
+          </a:bodyPr>
+          <a:lstStyle/>
+          <a:p>
+            <a:r>
+              <a:rPr lang="en-US" altLang="ko-KR" sz="1200" dirty="0" smtClean="0">
+                <a:latin typeface="+mn-ea"/>
+              </a:rPr>
+              <a:t>No</a:t>
+            </a:r>
+            <a:endParaRPr lang="ko-KR" altLang="en-US" sz="1200" dirty="0">
+              <a:latin typeface="+mn-ea"/>
+            </a:endParaRPr>
+          </a:p>
+        </p:txBody>
+      </p:sp>
+      <p:sp>
+        <p:nvSpPr>
+          <p:cNvPr id="175" name="TextBox 174"/>
+          <p:cNvSpPr txBox="1"/>
+          <p:nvPr/>
+        </p:nvSpPr>
+        <p:spPr>
+          <a:xfrm>
+            <a:off x="2622864" y="4059892"/>
+            <a:ext cx="405752" cy="276999"/>
+          </a:xfrm>
+          <a:prstGeom prst="rect">
+            <a:avLst/>
+          </a:prstGeom>
+          <a:noFill/>
+        </p:spPr>
+        <p:txBody>
+          <a:bodyPr wrap="none" rtlCol="0">
+            <a:spAutoFit/>
+          </a:bodyPr>
+          <a:lstStyle/>
+          <a:p>
+            <a:r>
+              <a:rPr lang="en-US" altLang="ko-KR" sz="1200" dirty="0" smtClean="0">
+                <a:latin typeface="+mn-ea"/>
+              </a:rPr>
+              <a:t>Yes</a:t>
+            </a:r>
+            <a:endParaRPr lang="ko-KR" altLang="en-US" sz="1200" dirty="0">
+              <a:latin typeface="+mn-ea"/>
+            </a:endParaRPr>
+          </a:p>
+        </p:txBody>
+      </p:sp>
+      <p:sp>
+        <p:nvSpPr>
+          <p:cNvPr id="176" name="TextBox 175"/>
+          <p:cNvSpPr txBox="1"/>
+          <p:nvPr/>
+        </p:nvSpPr>
+        <p:spPr>
+          <a:xfrm>
+            <a:off x="3883658" y="3379824"/>
+            <a:ext cx="503148" cy="276999"/>
+          </a:xfrm>
+          <a:prstGeom prst="rect">
+            <a:avLst/>
+          </a:prstGeom>
+          <a:noFill/>
+        </p:spPr>
+        <p:txBody>
+          <a:bodyPr wrap="square" rtlCol="0">
+            <a:spAutoFit/>
+          </a:bodyPr>
+          <a:lstStyle/>
+          <a:p>
+            <a:r>
+              <a:rPr lang="en-US" altLang="ko-KR" sz="1200" dirty="0" smtClean="0">
+                <a:latin typeface="+mn-ea"/>
+              </a:rPr>
+              <a:t>No</a:t>
+            </a:r>
+            <a:endParaRPr lang="ko-KR" altLang="en-US" sz="1200" dirty="0">
+              <a:latin typeface="+mn-ea"/>
+            </a:endParaRPr>
+          </a:p>
+        </p:txBody>
+      </p:sp>
+      <p:sp>
+        <p:nvSpPr>
+          <p:cNvPr id="194" name="순서도: 수행의 시작/종료 193"/>
+          <p:cNvSpPr/>
+          <p:nvPr/>
+        </p:nvSpPr>
+        <p:spPr>
+          <a:xfrm>
+            <a:off x="10225371" y="6043467"/>
+            <a:ext cx="1627036" cy="494154"/>
+          </a:xfrm>
+          <a:prstGeom prst="flowChartTerminator">
+            <a:avLst/>
+          </a:prstGeom>
+          <a:solidFill>
+            <a:schemeClr val="bg1"/>
+          </a:solidFill>
+          <a:ln w="15875">
+            <a:solidFill>
+              <a:schemeClr val="tx1"/>
+            </a:solidFill>
+          </a:ln>
+        </p:spPr>
+        <p:style>
+          <a:lnRef idx="2">
+            <a:schemeClr val="accent1">
+              <a:shade val="50000"/>
+            </a:schemeClr>
+          </a:lnRef>
+          <a:fillRef idx="1">
+            <a:schemeClr val="accent1"/>
+          </a:fillRef>
+          <a:effectRef idx="0">
+            <a:schemeClr val="accent1"/>
+          </a:effectRef>
+          <a:fontRef idx="minor">
+            <a:schemeClr val="lt1"/>
+          </a:fontRef>
+        </p:style>
+        <p:txBody>
+          <a:bodyPr rtlCol="0" anchor="ctr"/>
+          <a:lstStyle/>
+          <a:p>
+            <a:pPr algn="ctr"/>
+            <a:r>
+              <a:rPr lang="ko-KR" altLang="en-US" sz="1000" dirty="0" smtClean="0">
+                <a:solidFill>
+                  <a:schemeClr val="tx1"/>
+                </a:solidFill>
+                <a:latin typeface="+mn-ea"/>
+              </a:rPr>
+              <a:t>가입승인대기</a:t>
+            </a:r>
+            <a:endParaRPr lang="ko-KR" altLang="en-US" sz="1000" dirty="0" smtClean="0">
+              <a:solidFill>
+                <a:schemeClr val="tx1"/>
+              </a:solidFill>
+              <a:latin typeface="+mn-ea"/>
+            </a:endParaRPr>
+          </a:p>
+        </p:txBody>
+      </p:sp>
+      <p:cxnSp>
+        <p:nvCxnSpPr>
+          <p:cNvPr id="224" name="직선 화살표 연결선 223"/>
+          <p:cNvCxnSpPr>
+            <a:stCxn id="181" idx="3"/>
+            <a:endCxn id="177" idx="0"/>
+          </p:cNvCxnSpPr>
+          <p:nvPr/>
+        </p:nvCxnSpPr>
+        <p:spPr>
+          <a:xfrm>
+            <a:off x="4874411" y="3113939"/>
+            <a:ext cx="1484450" cy="738019"/>
+          </a:xfrm>
+          <a:prstGeom prst="straightConnector1">
+            <a:avLst/>
+          </a:prstGeom>
+          <a:ln w="15875">
+            <a:solidFill>
+              <a:schemeClr val="tx1"/>
+            </a:solidFill>
+            <a:tailEnd type="stealth"/>
+          </a:ln>
+        </p:spPr>
+        <p:style>
+          <a:lnRef idx="1">
+            <a:schemeClr val="accent1"/>
+          </a:lnRef>
+          <a:fillRef idx="0">
+            <a:schemeClr val="accent1"/>
+          </a:fillRef>
+          <a:effectRef idx="0">
+            <a:schemeClr val="accent1"/>
+          </a:effectRef>
+          <a:fontRef idx="minor">
+            <a:schemeClr val="tx1"/>
+          </a:fontRef>
+        </p:style>
+      </p:cxnSp>
+      <p:cxnSp>
+        <p:nvCxnSpPr>
+          <p:cNvPr id="227" name="직선 화살표 연결선 226"/>
+          <p:cNvCxnSpPr>
+            <a:stCxn id="158" idx="0"/>
+            <a:endCxn id="119" idx="2"/>
+          </p:cNvCxnSpPr>
+          <p:nvPr/>
+        </p:nvCxnSpPr>
+        <p:spPr>
+          <a:xfrm flipV="1">
+            <a:off x="9518550" y="2091531"/>
+            <a:ext cx="827444" cy="1000156"/>
+          </a:xfrm>
+          <a:prstGeom prst="straightConnector1">
+            <a:avLst/>
+          </a:prstGeom>
+          <a:ln w="15875">
+            <a:solidFill>
+              <a:schemeClr val="tx1"/>
+            </a:solidFill>
+            <a:tailEnd type="stealth"/>
+          </a:ln>
+        </p:spPr>
+        <p:style>
+          <a:lnRef idx="1">
+            <a:schemeClr val="accent1"/>
+          </a:lnRef>
+          <a:fillRef idx="0">
+            <a:schemeClr val="accent1"/>
+          </a:fillRef>
+          <a:effectRef idx="0">
+            <a:schemeClr val="accent1"/>
+          </a:effectRef>
+          <a:fontRef idx="minor">
+            <a:schemeClr val="tx1"/>
+          </a:fontRef>
+        </p:style>
+      </p:cxnSp>
+      <p:cxnSp>
+        <p:nvCxnSpPr>
+          <p:cNvPr id="236" name="직선 화살표 연결선 235"/>
+          <p:cNvCxnSpPr>
+            <a:stCxn id="108" idx="0"/>
+            <a:endCxn id="306" idx="2"/>
+          </p:cNvCxnSpPr>
+          <p:nvPr/>
+        </p:nvCxnSpPr>
+        <p:spPr>
+          <a:xfrm flipH="1" flipV="1">
+            <a:off x="6097245" y="5284006"/>
+            <a:ext cx="2521304" cy="736419"/>
+          </a:xfrm>
+          <a:prstGeom prst="straightConnector1">
+            <a:avLst/>
+          </a:prstGeom>
+          <a:ln w="15875">
+            <a:solidFill>
+              <a:schemeClr val="tx1"/>
+            </a:solidFill>
+            <a:tailEnd type="stealth"/>
+          </a:ln>
+        </p:spPr>
+        <p:style>
+          <a:lnRef idx="1">
+            <a:schemeClr val="accent1"/>
+          </a:lnRef>
+          <a:fillRef idx="0">
+            <a:schemeClr val="accent1"/>
+          </a:fillRef>
+          <a:effectRef idx="0">
+            <a:schemeClr val="accent1"/>
+          </a:effectRef>
+          <a:fontRef idx="minor">
+            <a:schemeClr val="tx1"/>
+          </a:fontRef>
+        </p:style>
+      </p:cxnSp>
+      <p:sp>
+        <p:nvSpPr>
+          <p:cNvPr id="306" name="순서도: 처리 305"/>
+          <p:cNvSpPr/>
+          <p:nvPr/>
+        </p:nvSpPr>
+        <p:spPr>
+          <a:xfrm>
+            <a:off x="5592350" y="4875736"/>
+            <a:ext cx="1009790" cy="408270"/>
+          </a:xfrm>
+          <a:prstGeom prst="flowChartProcess">
+            <a:avLst/>
+          </a:prstGeom>
+          <a:solidFill>
+            <a:schemeClr val="bg1"/>
+          </a:solidFill>
+          <a:ln w="15875">
+            <a:solidFill>
+              <a:schemeClr val="tx1"/>
+            </a:solidFill>
+          </a:ln>
+        </p:spPr>
+        <p:style>
+          <a:lnRef idx="2">
+            <a:schemeClr val="accent1">
+              <a:shade val="50000"/>
+            </a:schemeClr>
+          </a:lnRef>
+          <a:fillRef idx="1">
+            <a:schemeClr val="accent1"/>
+          </a:fillRef>
+          <a:effectRef idx="0">
+            <a:schemeClr val="accent1"/>
+          </a:effectRef>
+          <a:fontRef idx="minor">
+            <a:schemeClr val="lt1"/>
+          </a:fontRef>
+        </p:style>
+        <p:txBody>
+          <a:bodyPr rot="0" spcFirstLastPara="0" vertOverflow="overflow" horzOverflow="overflow" vert="horz" wrap="square" lIns="91440" tIns="45720" rIns="91440" bIns="45720" numCol="1" spcCol="0" rtlCol="0" fromWordArt="0" anchor="ctr" anchorCtr="0" forceAA="0" compatLnSpc="1">
+            <a:prstTxWarp prst="textNoShape">
+              <a:avLst/>
+            </a:prstTxWarp>
+            <a:noAutofit/>
+          </a:bodyPr>
+          <a:lstStyle/>
+          <a:p>
+            <a:pPr algn="ctr"/>
+            <a:r>
+              <a:rPr lang="ko-KR" altLang="en-US" sz="1200" dirty="0" smtClean="0">
+                <a:solidFill>
+                  <a:schemeClr val="tx1"/>
+                </a:solidFill>
+              </a:rPr>
+              <a:t>거부 </a:t>
+            </a:r>
+            <a:r>
+              <a:rPr lang="ko-KR" altLang="en-US" sz="1200" dirty="0" err="1" smtClean="0">
+                <a:solidFill>
+                  <a:schemeClr val="tx1"/>
+                </a:solidFill>
+              </a:rPr>
+              <a:t>알림창</a:t>
+            </a:r>
+            <a:endParaRPr lang="en-US" altLang="ko-KR" sz="1200" dirty="0" smtClean="0">
+              <a:solidFill>
+                <a:schemeClr val="tx1"/>
+              </a:solidFill>
+            </a:endParaRPr>
+          </a:p>
+        </p:txBody>
+      </p:sp>
+      <p:sp>
+        <p:nvSpPr>
+          <p:cNvPr id="309" name="TextBox 308"/>
+          <p:cNvSpPr txBox="1"/>
+          <p:nvPr/>
+        </p:nvSpPr>
+        <p:spPr>
+          <a:xfrm>
+            <a:off x="7107000" y="5606237"/>
+            <a:ext cx="424674" cy="276999"/>
+          </a:xfrm>
+          <a:prstGeom prst="rect">
+            <a:avLst/>
+          </a:prstGeom>
+          <a:noFill/>
+        </p:spPr>
+        <p:txBody>
+          <a:bodyPr wrap="square" rtlCol="0">
+            <a:spAutoFit/>
+          </a:bodyPr>
+          <a:lstStyle/>
+          <a:p>
+            <a:r>
+              <a:rPr lang="en-US" altLang="ko-KR" sz="1200" dirty="0" smtClean="0">
+                <a:latin typeface="+mn-ea"/>
+              </a:rPr>
+              <a:t>No</a:t>
+            </a:r>
+            <a:endParaRPr lang="ko-KR" altLang="en-US" sz="1200" dirty="0">
+              <a:latin typeface="+mn-ea"/>
+            </a:endParaRPr>
+          </a:p>
+        </p:txBody>
+      </p:sp>
+      <p:cxnSp>
+        <p:nvCxnSpPr>
+          <p:cNvPr id="87" name="직선 화살표 연결선 86"/>
+          <p:cNvCxnSpPr>
+            <a:stCxn id="195" idx="3"/>
+            <a:endCxn id="196" idx="1"/>
+          </p:cNvCxnSpPr>
+          <p:nvPr/>
+        </p:nvCxnSpPr>
+        <p:spPr>
+          <a:xfrm>
+            <a:off x="2362326" y="6306094"/>
+            <a:ext cx="1150120" cy="0"/>
+          </a:xfrm>
+          <a:prstGeom prst="straightConnector1">
+            <a:avLst/>
+          </a:prstGeom>
+          <a:ln w="15875">
+            <a:solidFill>
+              <a:schemeClr val="tx1"/>
+            </a:solidFill>
+            <a:tailEnd type="stealth"/>
+          </a:ln>
+        </p:spPr>
+        <p:style>
+          <a:lnRef idx="1">
+            <a:schemeClr val="accent1"/>
+          </a:lnRef>
+          <a:fillRef idx="0">
+            <a:schemeClr val="accent1"/>
+          </a:fillRef>
+          <a:effectRef idx="0">
+            <a:schemeClr val="accent1"/>
+          </a:effectRef>
+          <a:fontRef idx="minor">
+            <a:schemeClr val="tx1"/>
+          </a:fontRef>
+        </p:style>
+      </p:cxnSp>
+      <p:cxnSp>
+        <p:nvCxnSpPr>
+          <p:cNvPr id="106" name="직선 화살표 연결선 105"/>
+          <p:cNvCxnSpPr>
+            <a:stCxn id="306" idx="3"/>
+            <a:endCxn id="213" idx="1"/>
+          </p:cNvCxnSpPr>
+          <p:nvPr/>
+        </p:nvCxnSpPr>
+        <p:spPr>
+          <a:xfrm>
+            <a:off x="6602140" y="5079871"/>
+            <a:ext cx="929534" cy="0"/>
+          </a:xfrm>
+          <a:prstGeom prst="straightConnector1">
+            <a:avLst/>
+          </a:prstGeom>
+          <a:ln w="15875">
+            <a:solidFill>
+              <a:schemeClr val="tx1"/>
+            </a:solidFill>
+            <a:tailEnd type="stealth"/>
+          </a:ln>
+        </p:spPr>
+        <p:style>
+          <a:lnRef idx="1">
+            <a:schemeClr val="accent1"/>
+          </a:lnRef>
+          <a:fillRef idx="0">
+            <a:schemeClr val="accent1"/>
+          </a:fillRef>
+          <a:effectRef idx="0">
+            <a:schemeClr val="accent1"/>
+          </a:effectRef>
+          <a:fontRef idx="minor">
+            <a:schemeClr val="tx1"/>
+          </a:fontRef>
+        </p:style>
+      </p:cxnSp>
+      <p:sp>
+        <p:nvSpPr>
+          <p:cNvPr id="113" name="TextBox 112"/>
+          <p:cNvSpPr txBox="1"/>
+          <p:nvPr/>
+        </p:nvSpPr>
+        <p:spPr>
+          <a:xfrm>
+            <a:off x="9621464" y="5998584"/>
+            <a:ext cx="405752" cy="276999"/>
+          </a:xfrm>
+          <a:prstGeom prst="rect">
+            <a:avLst/>
+          </a:prstGeom>
+          <a:noFill/>
+        </p:spPr>
+        <p:txBody>
+          <a:bodyPr wrap="none" rtlCol="0">
+            <a:spAutoFit/>
+          </a:bodyPr>
+          <a:lstStyle/>
+          <a:p>
+            <a:r>
+              <a:rPr lang="en-US" altLang="ko-KR" sz="1200" dirty="0" smtClean="0">
+                <a:latin typeface="+mn-ea"/>
+              </a:rPr>
+              <a:t>Yes</a:t>
+            </a:r>
+            <a:endParaRPr lang="ko-KR" altLang="en-US" sz="1200" dirty="0">
+              <a:latin typeface="+mn-ea"/>
+            </a:endParaRPr>
+          </a:p>
+        </p:txBody>
+      </p:sp>
+      <p:sp>
+        <p:nvSpPr>
+          <p:cNvPr id="89" name="순서도: 수행의 시작/종료 88"/>
+          <p:cNvSpPr/>
+          <p:nvPr/>
+        </p:nvSpPr>
+        <p:spPr>
+          <a:xfrm>
+            <a:off x="733374" y="1517073"/>
+            <a:ext cx="1929422" cy="626952"/>
+          </a:xfrm>
+          <a:prstGeom prst="flowChartTerminator">
+            <a:avLst/>
+          </a:prstGeom>
+          <a:solidFill>
+            <a:schemeClr val="bg1"/>
+          </a:solidFill>
+          <a:ln w="15875">
+            <a:solidFill>
+              <a:schemeClr val="tx1"/>
+            </a:solidFill>
+          </a:ln>
+        </p:spPr>
+        <p:style>
+          <a:lnRef idx="2">
+            <a:schemeClr val="accent1">
+              <a:shade val="50000"/>
+            </a:schemeClr>
+          </a:lnRef>
+          <a:fillRef idx="1">
+            <a:schemeClr val="accent1"/>
+          </a:fillRef>
+          <a:effectRef idx="0">
+            <a:schemeClr val="accent1"/>
+          </a:effectRef>
+          <a:fontRef idx="minor">
+            <a:schemeClr val="lt1"/>
+          </a:fontRef>
+        </p:style>
+        <p:txBody>
+          <a:bodyPr rtlCol="0" anchor="ctr"/>
+          <a:lstStyle/>
+          <a:p>
+            <a:pPr algn="ctr"/>
+            <a:r>
+              <a:rPr lang="ko-KR" altLang="en-US" sz="1200" dirty="0" smtClean="0">
+                <a:solidFill>
+                  <a:schemeClr val="tx1"/>
+                </a:solidFill>
+                <a:latin typeface="+mn-ea"/>
+              </a:rPr>
+              <a:t>관리자 회원가입 </a:t>
+            </a:r>
+            <a:endParaRPr lang="ko-KR" altLang="en-US" sz="1200" dirty="0" smtClean="0">
+              <a:solidFill>
+                <a:schemeClr val="tx1"/>
+              </a:solidFill>
+              <a:latin typeface="+mn-ea"/>
+            </a:endParaRPr>
+          </a:p>
+        </p:txBody>
+      </p:sp>
+      <p:cxnSp>
+        <p:nvCxnSpPr>
+          <p:cNvPr id="96" name="직선 화살표 연결선 95"/>
+          <p:cNvCxnSpPr>
+            <a:stCxn id="89" idx="3"/>
+            <a:endCxn id="116" idx="1"/>
+          </p:cNvCxnSpPr>
+          <p:nvPr/>
+        </p:nvCxnSpPr>
+        <p:spPr>
+          <a:xfrm flipV="1">
+            <a:off x="2662796" y="1826112"/>
+            <a:ext cx="717994" cy="4437"/>
+          </a:xfrm>
+          <a:prstGeom prst="straightConnector1">
+            <a:avLst/>
+          </a:prstGeom>
+          <a:ln w="15875">
+            <a:solidFill>
+              <a:schemeClr val="tx1"/>
+            </a:solidFill>
+            <a:tailEnd type="stealth"/>
+          </a:ln>
+        </p:spPr>
+        <p:style>
+          <a:lnRef idx="1">
+            <a:schemeClr val="accent1"/>
+          </a:lnRef>
+          <a:fillRef idx="0">
+            <a:schemeClr val="accent1"/>
+          </a:fillRef>
+          <a:effectRef idx="0">
+            <a:schemeClr val="accent1"/>
+          </a:effectRef>
+          <a:fontRef idx="minor">
+            <a:schemeClr val="tx1"/>
+          </a:fontRef>
+        </p:style>
+      </p:cxnSp>
+      <p:sp>
+        <p:nvSpPr>
+          <p:cNvPr id="107" name="순서도: 판단 106"/>
+          <p:cNvSpPr/>
+          <p:nvPr/>
+        </p:nvSpPr>
+        <p:spPr>
+          <a:xfrm>
+            <a:off x="5364672" y="1556112"/>
+            <a:ext cx="1800000" cy="540000"/>
+          </a:xfrm>
+          <a:prstGeom prst="flowChartDecision">
+            <a:avLst/>
+          </a:prstGeom>
+          <a:solidFill>
+            <a:schemeClr val="bg1"/>
+          </a:solidFill>
+          <a:ln w="15875">
+            <a:solidFill>
+              <a:schemeClr val="tx1"/>
+            </a:solidFill>
+          </a:ln>
+        </p:spPr>
+        <p:style>
+          <a:lnRef idx="2">
+            <a:schemeClr val="accent1">
+              <a:shade val="50000"/>
+            </a:schemeClr>
+          </a:lnRef>
+          <a:fillRef idx="1">
+            <a:schemeClr val="accent1"/>
+          </a:fillRef>
+          <a:effectRef idx="0">
+            <a:schemeClr val="accent1"/>
+          </a:effectRef>
+          <a:fontRef idx="minor">
+            <a:schemeClr val="lt1"/>
+          </a:fontRef>
+        </p:style>
+        <p:txBody>
+          <a:bodyPr rot="0" spcFirstLastPara="0" vertOverflow="overflow" horzOverflow="overflow" vert="horz" wrap="square" lIns="91440" tIns="45720" rIns="91440" bIns="45720" numCol="1" spcCol="0" rtlCol="0" fromWordArt="0" anchor="ctr" anchorCtr="0" forceAA="0" compatLnSpc="1">
+            <a:prstTxWarp prst="textNoShape">
+              <a:avLst/>
+            </a:prstTxWarp>
+            <a:noAutofit/>
+          </a:bodyPr>
+          <a:lstStyle/>
+          <a:p>
+            <a:pPr algn="ctr"/>
+            <a:r>
+              <a:rPr lang="ko-KR" altLang="en-US" sz="1200" dirty="0" smtClean="0">
+                <a:solidFill>
+                  <a:schemeClr val="tx1"/>
+                </a:solidFill>
+                <a:latin typeface="+mn-ea"/>
+              </a:rPr>
+              <a:t>아이디</a:t>
+            </a:r>
+            <a:endParaRPr lang="en-US" altLang="ko-KR" sz="1200" dirty="0" smtClean="0">
+              <a:solidFill>
+                <a:schemeClr val="tx1"/>
+              </a:solidFill>
+              <a:latin typeface="+mn-ea"/>
+            </a:endParaRPr>
+          </a:p>
+          <a:p>
+            <a:pPr algn="ctr"/>
+            <a:r>
+              <a:rPr lang="ko-KR" altLang="en-US" sz="1200" dirty="0" err="1" smtClean="0">
+                <a:solidFill>
+                  <a:schemeClr val="tx1"/>
+                </a:solidFill>
+                <a:latin typeface="+mn-ea"/>
+              </a:rPr>
+              <a:t>중복찾기</a:t>
+            </a:r>
+            <a:endParaRPr lang="en-US" altLang="ko-KR" sz="1200" dirty="0" smtClean="0">
+              <a:solidFill>
+                <a:schemeClr val="tx1"/>
+              </a:solidFill>
+              <a:latin typeface="+mn-ea"/>
+            </a:endParaRPr>
+          </a:p>
+        </p:txBody>
+      </p:sp>
+      <p:sp>
+        <p:nvSpPr>
+          <p:cNvPr id="108" name="순서도: 판단 107"/>
+          <p:cNvSpPr/>
+          <p:nvPr/>
+        </p:nvSpPr>
+        <p:spPr>
+          <a:xfrm>
+            <a:off x="7718549" y="6020425"/>
+            <a:ext cx="1800000" cy="540000"/>
+          </a:xfrm>
+          <a:prstGeom prst="flowChartDecision">
+            <a:avLst/>
+          </a:prstGeom>
+          <a:solidFill>
+            <a:schemeClr val="bg1"/>
+          </a:solidFill>
+          <a:ln w="15875">
+            <a:solidFill>
+              <a:schemeClr val="tx1"/>
+            </a:solidFill>
+          </a:ln>
+        </p:spPr>
+        <p:style>
+          <a:lnRef idx="2">
+            <a:schemeClr val="accent1">
+              <a:shade val="50000"/>
+            </a:schemeClr>
+          </a:lnRef>
+          <a:fillRef idx="1">
+            <a:schemeClr val="accent1"/>
+          </a:fillRef>
+          <a:effectRef idx="0">
+            <a:schemeClr val="accent1"/>
+          </a:effectRef>
+          <a:fontRef idx="minor">
+            <a:schemeClr val="lt1"/>
+          </a:fontRef>
+        </p:style>
+        <p:txBody>
+          <a:bodyPr rot="0" spcFirstLastPara="0" vertOverflow="overflow" horzOverflow="overflow" vert="horz" wrap="square" lIns="91440" tIns="45720" rIns="91440" bIns="45720" numCol="1" spcCol="0" rtlCol="0" fromWordArt="0" anchor="ctr" anchorCtr="0" forceAA="0" compatLnSpc="1">
+            <a:prstTxWarp prst="textNoShape">
+              <a:avLst/>
+            </a:prstTxWarp>
+            <a:noAutofit/>
+          </a:bodyPr>
+          <a:lstStyle/>
+          <a:p>
+            <a:pPr algn="ctr"/>
+            <a:r>
+              <a:rPr lang="ko-KR" altLang="en-US" sz="1200" smtClean="0">
+                <a:solidFill>
+                  <a:schemeClr val="tx1"/>
+                </a:solidFill>
+                <a:latin typeface="+mn-ea"/>
+              </a:rPr>
+              <a:t>회원가입</a:t>
+            </a:r>
+            <a:endParaRPr lang="ko-KR" altLang="en-US" sz="1200" dirty="0" smtClean="0">
+              <a:solidFill>
+                <a:schemeClr val="tx1"/>
+              </a:solidFill>
+              <a:latin typeface="+mn-ea"/>
+            </a:endParaRPr>
+          </a:p>
+        </p:txBody>
+      </p:sp>
+      <p:sp>
+        <p:nvSpPr>
+          <p:cNvPr id="109" name="순서도: 판단 108"/>
+          <p:cNvSpPr/>
+          <p:nvPr/>
+        </p:nvSpPr>
+        <p:spPr>
+          <a:xfrm>
+            <a:off x="9445994" y="3797499"/>
+            <a:ext cx="1800000" cy="540000"/>
+          </a:xfrm>
+          <a:prstGeom prst="flowChartDecision">
+            <a:avLst/>
+          </a:prstGeom>
+          <a:solidFill>
+            <a:schemeClr val="bg1"/>
+          </a:solidFill>
+          <a:ln w="15875">
+            <a:solidFill>
+              <a:schemeClr val="tx1"/>
+            </a:solidFill>
+          </a:ln>
+        </p:spPr>
+        <p:style>
+          <a:lnRef idx="2">
+            <a:schemeClr val="accent1">
+              <a:shade val="50000"/>
+            </a:schemeClr>
+          </a:lnRef>
+          <a:fillRef idx="1">
+            <a:schemeClr val="accent1"/>
+          </a:fillRef>
+          <a:effectRef idx="0">
+            <a:schemeClr val="accent1"/>
+          </a:effectRef>
+          <a:fontRef idx="minor">
+            <a:schemeClr val="lt1"/>
+          </a:fontRef>
+        </p:style>
+        <p:txBody>
+          <a:bodyPr rot="0" spcFirstLastPara="0" vertOverflow="overflow" horzOverflow="overflow" vert="horz" wrap="square" lIns="91440" tIns="45720" rIns="91440" bIns="45720" numCol="1" spcCol="0" rtlCol="0" fromWordArt="0" anchor="ctr" anchorCtr="0" forceAA="0" compatLnSpc="1">
+            <a:prstTxWarp prst="textNoShape">
+              <a:avLst/>
+            </a:prstTxWarp>
+            <a:noAutofit/>
+          </a:bodyPr>
+          <a:lstStyle/>
+          <a:p>
+            <a:pPr algn="ctr"/>
+            <a:r>
+              <a:rPr lang="ko-KR" altLang="en-US" sz="1200" dirty="0" smtClean="0">
+                <a:solidFill>
+                  <a:schemeClr val="tx1"/>
+                </a:solidFill>
+                <a:latin typeface="+mn-ea"/>
+              </a:rPr>
+              <a:t>유효성</a:t>
+            </a:r>
+            <a:endParaRPr lang="en-US" altLang="ko-KR" sz="1200" dirty="0" smtClean="0">
+              <a:solidFill>
+                <a:schemeClr val="tx1"/>
+              </a:solidFill>
+              <a:latin typeface="+mn-ea"/>
+            </a:endParaRPr>
+          </a:p>
+          <a:p>
+            <a:pPr algn="ctr"/>
+            <a:r>
+              <a:rPr lang="ko-KR" altLang="en-US" sz="1200" dirty="0" smtClean="0">
+                <a:solidFill>
+                  <a:schemeClr val="tx1"/>
+                </a:solidFill>
+                <a:latin typeface="+mn-ea"/>
+              </a:rPr>
+              <a:t>검사</a:t>
+            </a:r>
+            <a:endParaRPr lang="ko-KR" altLang="en-US" sz="1200" dirty="0" smtClean="0">
+              <a:solidFill>
+                <a:schemeClr val="tx1"/>
+              </a:solidFill>
+              <a:latin typeface="+mn-ea"/>
+            </a:endParaRPr>
+          </a:p>
+        </p:txBody>
+      </p:sp>
+      <p:sp>
+        <p:nvSpPr>
+          <p:cNvPr id="116" name="순서도: 수동 입력 115"/>
+          <p:cNvSpPr/>
+          <p:nvPr/>
+        </p:nvSpPr>
+        <p:spPr>
+          <a:xfrm>
+            <a:off x="3380790" y="1556112"/>
+            <a:ext cx="1248171" cy="540000"/>
+          </a:xfrm>
+          <a:prstGeom prst="flowChartManualInput">
+            <a:avLst/>
+          </a:prstGeom>
+          <a:solidFill>
+            <a:schemeClr val="bg1"/>
+          </a:solidFill>
+          <a:ln w="15875">
+            <a:solidFill>
+              <a:schemeClr val="tx1"/>
+            </a:solidFill>
+          </a:ln>
+        </p:spPr>
+        <p:style>
+          <a:lnRef idx="2">
+            <a:schemeClr val="accent1">
+              <a:shade val="50000"/>
+            </a:schemeClr>
+          </a:lnRef>
+          <a:fillRef idx="1">
+            <a:schemeClr val="accent1"/>
+          </a:fillRef>
+          <a:effectRef idx="0">
+            <a:schemeClr val="accent1"/>
+          </a:effectRef>
+          <a:fontRef idx="minor">
+            <a:schemeClr val="lt1"/>
+          </a:fontRef>
+        </p:style>
+        <p:txBody>
+          <a:bodyPr rot="0" spcFirstLastPara="0" vertOverflow="overflow" horzOverflow="overflow" vert="horz" wrap="square" lIns="91440" tIns="45720" rIns="91440" bIns="45720" numCol="1" spcCol="0" rtlCol="0" fromWordArt="0" anchor="ctr" anchorCtr="0" forceAA="0" compatLnSpc="1">
+            <a:prstTxWarp prst="textNoShape">
+              <a:avLst/>
+            </a:prstTxWarp>
+            <a:noAutofit/>
+          </a:bodyPr>
+          <a:lstStyle/>
+          <a:p>
+            <a:pPr algn="ctr"/>
+            <a:r>
+              <a:rPr lang="ko-KR" altLang="en-US" sz="1200" dirty="0" smtClean="0">
+                <a:solidFill>
+                  <a:schemeClr val="tx1"/>
+                </a:solidFill>
+                <a:latin typeface="+mn-ea"/>
+              </a:rPr>
+              <a:t>아이디</a:t>
+            </a:r>
+            <a:endParaRPr lang="ko-KR" altLang="en-US" sz="1200" dirty="0" smtClean="0">
+              <a:solidFill>
+                <a:schemeClr val="tx1"/>
+              </a:solidFill>
+              <a:latin typeface="+mn-ea"/>
+            </a:endParaRPr>
+          </a:p>
+        </p:txBody>
+      </p:sp>
+      <p:sp>
+        <p:nvSpPr>
+          <p:cNvPr id="117" name="순서도: 처리 116"/>
+          <p:cNvSpPr/>
+          <p:nvPr/>
+        </p:nvSpPr>
+        <p:spPr>
+          <a:xfrm>
+            <a:off x="4284673" y="854921"/>
+            <a:ext cx="1080000" cy="540000"/>
+          </a:xfrm>
+          <a:prstGeom prst="flowChartProcess">
+            <a:avLst/>
+          </a:prstGeom>
+          <a:solidFill>
+            <a:schemeClr val="bg1"/>
+          </a:solidFill>
+          <a:ln w="15875">
+            <a:solidFill>
+              <a:schemeClr val="tx1"/>
+            </a:solidFill>
+          </a:ln>
+        </p:spPr>
+        <p:style>
+          <a:lnRef idx="2">
+            <a:schemeClr val="accent1">
+              <a:shade val="50000"/>
+            </a:schemeClr>
+          </a:lnRef>
+          <a:fillRef idx="1">
+            <a:schemeClr val="accent1"/>
+          </a:fillRef>
+          <a:effectRef idx="0">
+            <a:schemeClr val="accent1"/>
+          </a:effectRef>
+          <a:fontRef idx="minor">
+            <a:schemeClr val="lt1"/>
+          </a:fontRef>
+        </p:style>
+        <p:txBody>
+          <a:bodyPr rot="0" spcFirstLastPara="0" vertOverflow="overflow" horzOverflow="overflow" vert="horz" wrap="square" lIns="91440" tIns="45720" rIns="91440" bIns="45720" numCol="1" spcCol="0" rtlCol="0" fromWordArt="0" anchor="ctr" anchorCtr="0" forceAA="0" compatLnSpc="1">
+            <a:prstTxWarp prst="textNoShape">
+              <a:avLst/>
+            </a:prstTxWarp>
+            <a:noAutofit/>
+          </a:bodyPr>
+          <a:lstStyle/>
+          <a:p>
+            <a:pPr algn="ctr"/>
+            <a:r>
+              <a:rPr lang="ko-KR" altLang="en-US" sz="1200" dirty="0" smtClean="0">
+                <a:solidFill>
+                  <a:schemeClr val="tx1"/>
+                </a:solidFill>
+              </a:rPr>
+              <a:t>거부 </a:t>
+            </a:r>
+            <a:r>
+              <a:rPr lang="ko-KR" altLang="en-US" sz="1200" dirty="0" err="1" smtClean="0">
+                <a:solidFill>
+                  <a:schemeClr val="tx1"/>
+                </a:solidFill>
+              </a:rPr>
+              <a:t>알림창</a:t>
+            </a:r>
+            <a:endParaRPr lang="ko-KR" altLang="en-US" sz="1200" dirty="0" smtClean="0">
+              <a:solidFill>
+                <a:schemeClr val="tx1"/>
+              </a:solidFill>
+            </a:endParaRPr>
+          </a:p>
+        </p:txBody>
+      </p:sp>
+      <p:sp>
+        <p:nvSpPr>
+          <p:cNvPr id="118" name="순서도: 처리 117"/>
+          <p:cNvSpPr/>
+          <p:nvPr/>
+        </p:nvSpPr>
+        <p:spPr>
+          <a:xfrm>
+            <a:off x="7903290" y="1556112"/>
+            <a:ext cx="1080000" cy="540000"/>
+          </a:xfrm>
+          <a:prstGeom prst="flowChartProcess">
+            <a:avLst/>
+          </a:prstGeom>
+          <a:solidFill>
+            <a:schemeClr val="bg1"/>
+          </a:solidFill>
+          <a:ln w="15875">
+            <a:solidFill>
+              <a:schemeClr val="tx1"/>
+            </a:solidFill>
+          </a:ln>
+        </p:spPr>
+        <p:style>
+          <a:lnRef idx="2">
+            <a:schemeClr val="accent1">
+              <a:shade val="50000"/>
+            </a:schemeClr>
+          </a:lnRef>
+          <a:fillRef idx="1">
+            <a:schemeClr val="accent1"/>
+          </a:fillRef>
+          <a:effectRef idx="0">
+            <a:schemeClr val="accent1"/>
+          </a:effectRef>
+          <a:fontRef idx="minor">
+            <a:schemeClr val="lt1"/>
+          </a:fontRef>
+        </p:style>
+        <p:txBody>
+          <a:bodyPr rot="0" spcFirstLastPara="0" vertOverflow="overflow" horzOverflow="overflow" vert="horz" wrap="square" lIns="91440" tIns="45720" rIns="91440" bIns="45720" numCol="1" spcCol="0" rtlCol="0" fromWordArt="0" anchor="ctr" anchorCtr="0" forceAA="0" compatLnSpc="1">
+            <a:prstTxWarp prst="textNoShape">
+              <a:avLst/>
+            </a:prstTxWarp>
+            <a:noAutofit/>
+          </a:bodyPr>
+          <a:lstStyle/>
+          <a:p>
+            <a:pPr algn="ctr"/>
+            <a:r>
+              <a:rPr lang="ko-KR" altLang="en-US" sz="1200" dirty="0" smtClean="0">
+                <a:solidFill>
+                  <a:schemeClr val="tx1"/>
+                </a:solidFill>
+              </a:rPr>
+              <a:t>확인 </a:t>
+            </a:r>
+            <a:r>
+              <a:rPr lang="ko-KR" altLang="en-US" sz="1200" dirty="0" err="1" smtClean="0">
+                <a:solidFill>
+                  <a:schemeClr val="tx1"/>
+                </a:solidFill>
+              </a:rPr>
+              <a:t>알림창</a:t>
+            </a:r>
+            <a:endParaRPr lang="ko-KR" altLang="en-US" sz="1200" dirty="0" smtClean="0">
+              <a:solidFill>
+                <a:schemeClr val="tx1"/>
+              </a:solidFill>
+            </a:endParaRPr>
+          </a:p>
+        </p:txBody>
+      </p:sp>
+      <p:sp>
+        <p:nvSpPr>
+          <p:cNvPr id="119" name="순서도: 수동 입력 118"/>
+          <p:cNvSpPr/>
+          <p:nvPr/>
+        </p:nvSpPr>
+        <p:spPr>
+          <a:xfrm>
+            <a:off x="9721908" y="1551531"/>
+            <a:ext cx="1248171" cy="540000"/>
+          </a:xfrm>
+          <a:prstGeom prst="flowChartManualInput">
+            <a:avLst/>
+          </a:prstGeom>
+          <a:solidFill>
+            <a:schemeClr val="bg1"/>
+          </a:solidFill>
+          <a:ln w="15875">
+            <a:solidFill>
+              <a:schemeClr val="tx1"/>
+            </a:solidFill>
+          </a:ln>
+        </p:spPr>
+        <p:style>
+          <a:lnRef idx="2">
+            <a:schemeClr val="accent1">
+              <a:shade val="50000"/>
+            </a:schemeClr>
+          </a:lnRef>
+          <a:fillRef idx="1">
+            <a:schemeClr val="accent1"/>
+          </a:fillRef>
+          <a:effectRef idx="0">
+            <a:schemeClr val="accent1"/>
+          </a:effectRef>
+          <a:fontRef idx="minor">
+            <a:schemeClr val="lt1"/>
+          </a:fontRef>
+        </p:style>
+        <p:txBody>
+          <a:bodyPr rot="0" spcFirstLastPara="0" vertOverflow="overflow" horzOverflow="overflow" vert="horz" wrap="square" lIns="91440" tIns="45720" rIns="91440" bIns="45720" numCol="1" spcCol="0" rtlCol="0" fromWordArt="0" anchor="ctr" anchorCtr="0" forceAA="0" compatLnSpc="1">
+            <a:prstTxWarp prst="textNoShape">
+              <a:avLst/>
+            </a:prstTxWarp>
+            <a:noAutofit/>
+          </a:bodyPr>
+          <a:lstStyle/>
+          <a:p>
+            <a:pPr algn="ctr"/>
+            <a:r>
+              <a:rPr lang="ko-KR" altLang="en-US" sz="1200" dirty="0" smtClean="0">
+                <a:solidFill>
+                  <a:schemeClr val="tx1"/>
+                </a:solidFill>
+                <a:latin typeface="+mn-ea"/>
+              </a:rPr>
+              <a:t>비밀번호</a:t>
+            </a:r>
+            <a:endParaRPr lang="ko-KR" altLang="en-US" sz="1200" dirty="0" smtClean="0">
+              <a:solidFill>
+                <a:schemeClr val="tx1"/>
+              </a:solidFill>
+              <a:latin typeface="+mn-ea"/>
+            </a:endParaRPr>
+          </a:p>
+        </p:txBody>
+      </p:sp>
+      <p:cxnSp>
+        <p:nvCxnSpPr>
+          <p:cNvPr id="145" name="직선 화살표 연결선 144"/>
+          <p:cNvCxnSpPr>
+            <a:stCxn id="118" idx="3"/>
+            <a:endCxn id="119" idx="1"/>
+          </p:cNvCxnSpPr>
+          <p:nvPr/>
+        </p:nvCxnSpPr>
+        <p:spPr>
+          <a:xfrm flipV="1">
+            <a:off x="8983290" y="1821531"/>
+            <a:ext cx="738618" cy="4581"/>
+          </a:xfrm>
+          <a:prstGeom prst="straightConnector1">
+            <a:avLst/>
+          </a:prstGeom>
+          <a:ln w="15875">
+            <a:solidFill>
+              <a:schemeClr val="tx1"/>
+            </a:solidFill>
+            <a:tailEnd type="stealth"/>
+          </a:ln>
+        </p:spPr>
+        <p:style>
+          <a:lnRef idx="1">
+            <a:schemeClr val="accent1"/>
+          </a:lnRef>
+          <a:fillRef idx="0">
+            <a:schemeClr val="accent1"/>
+          </a:fillRef>
+          <a:effectRef idx="0">
+            <a:schemeClr val="accent1"/>
+          </a:effectRef>
+          <a:fontRef idx="minor">
+            <a:schemeClr val="tx1"/>
+          </a:fontRef>
+        </p:style>
+      </p:cxnSp>
+      <p:sp>
+        <p:nvSpPr>
+          <p:cNvPr id="156" name="순서도: 처리 155"/>
+          <p:cNvSpPr/>
+          <p:nvPr/>
+        </p:nvSpPr>
+        <p:spPr>
+          <a:xfrm>
+            <a:off x="7950945" y="3797499"/>
+            <a:ext cx="1080000" cy="540000"/>
+          </a:xfrm>
+          <a:prstGeom prst="flowChartProcess">
+            <a:avLst/>
+          </a:prstGeom>
+          <a:solidFill>
+            <a:schemeClr val="bg1"/>
+          </a:solidFill>
+          <a:ln w="15875">
+            <a:solidFill>
+              <a:schemeClr val="tx1"/>
+            </a:solidFill>
+          </a:ln>
+        </p:spPr>
+        <p:style>
+          <a:lnRef idx="2">
+            <a:schemeClr val="accent1">
+              <a:shade val="50000"/>
+            </a:schemeClr>
+          </a:lnRef>
+          <a:fillRef idx="1">
+            <a:schemeClr val="accent1"/>
+          </a:fillRef>
+          <a:effectRef idx="0">
+            <a:schemeClr val="accent1"/>
+          </a:effectRef>
+          <a:fontRef idx="minor">
+            <a:schemeClr val="lt1"/>
+          </a:fontRef>
+        </p:style>
+        <p:txBody>
+          <a:bodyPr rot="0" spcFirstLastPara="0" vertOverflow="overflow" horzOverflow="overflow" vert="horz" wrap="square" lIns="91440" tIns="45720" rIns="91440" bIns="45720" numCol="1" spcCol="0" rtlCol="0" fromWordArt="0" anchor="ctr" anchorCtr="0" forceAA="0" compatLnSpc="1">
+            <a:prstTxWarp prst="textNoShape">
+              <a:avLst/>
+            </a:prstTxWarp>
+            <a:noAutofit/>
+          </a:bodyPr>
+          <a:lstStyle/>
+          <a:p>
+            <a:pPr algn="ctr"/>
+            <a:r>
+              <a:rPr lang="ko-KR" altLang="en-US" sz="1200" dirty="0" smtClean="0">
+                <a:solidFill>
+                  <a:schemeClr val="tx1"/>
+                </a:solidFill>
+              </a:rPr>
+              <a:t>확인</a:t>
+            </a:r>
+            <a:endParaRPr lang="en-US" altLang="ko-KR" sz="1200" dirty="0" smtClean="0">
+              <a:solidFill>
+                <a:schemeClr val="tx1"/>
+              </a:solidFill>
+            </a:endParaRPr>
+          </a:p>
+          <a:p>
+            <a:pPr algn="ctr"/>
+            <a:r>
+              <a:rPr lang="en-US" altLang="ko-KR" sz="1200" dirty="0" smtClean="0">
+                <a:solidFill>
+                  <a:schemeClr val="tx1"/>
+                </a:solidFill>
+              </a:rPr>
+              <a:t>(</a:t>
+            </a:r>
+            <a:r>
+              <a:rPr lang="ko-KR" altLang="en-US" sz="1200" dirty="0" err="1" smtClean="0">
+                <a:solidFill>
+                  <a:schemeClr val="tx1"/>
+                </a:solidFill>
+              </a:rPr>
+              <a:t>하단표시</a:t>
+            </a:r>
+            <a:r>
+              <a:rPr lang="en-US" altLang="ko-KR" sz="1200" dirty="0" smtClean="0">
+                <a:solidFill>
+                  <a:schemeClr val="tx1"/>
+                </a:solidFill>
+              </a:rPr>
+              <a:t>)</a:t>
+            </a:r>
+            <a:endParaRPr lang="ko-KR" altLang="en-US" sz="1200" dirty="0" smtClean="0">
+              <a:solidFill>
+                <a:schemeClr val="tx1"/>
+              </a:solidFill>
+            </a:endParaRPr>
+          </a:p>
+        </p:txBody>
+      </p:sp>
+      <p:sp>
+        <p:nvSpPr>
+          <p:cNvPr id="158" name="순서도: 처리 157"/>
+          <p:cNvSpPr/>
+          <p:nvPr/>
+        </p:nvSpPr>
+        <p:spPr>
+          <a:xfrm>
+            <a:off x="9030945" y="3091687"/>
+            <a:ext cx="975209" cy="424460"/>
+          </a:xfrm>
+          <a:prstGeom prst="flowChartProcess">
+            <a:avLst/>
+          </a:prstGeom>
+          <a:solidFill>
+            <a:schemeClr val="bg1"/>
+          </a:solidFill>
+          <a:ln w="15875">
+            <a:solidFill>
+              <a:schemeClr val="tx1"/>
+            </a:solidFill>
+          </a:ln>
+        </p:spPr>
+        <p:style>
+          <a:lnRef idx="2">
+            <a:schemeClr val="accent1">
+              <a:shade val="50000"/>
+            </a:schemeClr>
+          </a:lnRef>
+          <a:fillRef idx="1">
+            <a:schemeClr val="accent1"/>
+          </a:fillRef>
+          <a:effectRef idx="0">
+            <a:schemeClr val="accent1"/>
+          </a:effectRef>
+          <a:fontRef idx="minor">
+            <a:schemeClr val="lt1"/>
+          </a:fontRef>
+        </p:style>
+        <p:txBody>
+          <a:bodyPr rot="0" spcFirstLastPara="0" vertOverflow="overflow" horzOverflow="overflow" vert="horz" wrap="square" lIns="91440" tIns="45720" rIns="91440" bIns="45720" numCol="1" spcCol="0" rtlCol="0" fromWordArt="0" anchor="ctr" anchorCtr="0" forceAA="0" compatLnSpc="1">
+            <a:prstTxWarp prst="textNoShape">
+              <a:avLst/>
+            </a:prstTxWarp>
+            <a:noAutofit/>
+          </a:bodyPr>
+          <a:lstStyle/>
+          <a:p>
+            <a:pPr algn="ctr"/>
+            <a:r>
+              <a:rPr lang="ko-KR" altLang="en-US" sz="1200" dirty="0" smtClean="0">
+                <a:solidFill>
+                  <a:schemeClr val="tx1"/>
+                </a:solidFill>
+              </a:rPr>
+              <a:t>거부</a:t>
+            </a:r>
+            <a:endParaRPr lang="en-US" altLang="ko-KR" sz="1200" dirty="0" smtClean="0">
+              <a:solidFill>
+                <a:schemeClr val="tx1"/>
+              </a:solidFill>
+            </a:endParaRPr>
+          </a:p>
+          <a:p>
+            <a:pPr algn="ctr"/>
+            <a:r>
+              <a:rPr lang="en-US" altLang="ko-KR" sz="1200" dirty="0" smtClean="0">
+                <a:solidFill>
+                  <a:schemeClr val="tx1"/>
+                </a:solidFill>
+              </a:rPr>
+              <a:t>(</a:t>
+            </a:r>
+            <a:r>
+              <a:rPr lang="ko-KR" altLang="en-US" sz="1200" dirty="0" err="1" smtClean="0">
+                <a:solidFill>
+                  <a:schemeClr val="tx1"/>
+                </a:solidFill>
+              </a:rPr>
+              <a:t>하단표시</a:t>
+            </a:r>
+            <a:r>
+              <a:rPr lang="en-US" altLang="ko-KR" sz="1200" dirty="0" smtClean="0">
+                <a:solidFill>
+                  <a:schemeClr val="tx1"/>
+                </a:solidFill>
+              </a:rPr>
+              <a:t>)</a:t>
+            </a:r>
+            <a:endParaRPr lang="ko-KR" altLang="en-US" sz="1200" dirty="0" smtClean="0">
+              <a:solidFill>
+                <a:schemeClr val="tx1"/>
+              </a:solidFill>
+            </a:endParaRPr>
+          </a:p>
+        </p:txBody>
+      </p:sp>
+      <p:cxnSp>
+        <p:nvCxnSpPr>
+          <p:cNvPr id="162" name="직선 화살표 연결선 161"/>
+          <p:cNvCxnSpPr>
+            <a:stCxn id="119" idx="2"/>
+            <a:endCxn id="109" idx="0"/>
+          </p:cNvCxnSpPr>
+          <p:nvPr/>
+        </p:nvCxnSpPr>
+        <p:spPr>
+          <a:xfrm>
+            <a:off x="10345994" y="2091531"/>
+            <a:ext cx="0" cy="1705968"/>
+          </a:xfrm>
+          <a:prstGeom prst="straightConnector1">
+            <a:avLst/>
+          </a:prstGeom>
+          <a:ln w="15875">
+            <a:solidFill>
+              <a:schemeClr val="tx1"/>
+            </a:solidFill>
+            <a:tailEnd type="stealth"/>
+          </a:ln>
+        </p:spPr>
+        <p:style>
+          <a:lnRef idx="1">
+            <a:schemeClr val="accent1"/>
+          </a:lnRef>
+          <a:fillRef idx="0">
+            <a:schemeClr val="accent1"/>
+          </a:fillRef>
+          <a:effectRef idx="0">
+            <a:schemeClr val="accent1"/>
+          </a:effectRef>
+          <a:fontRef idx="minor">
+            <a:schemeClr val="tx1"/>
+          </a:fontRef>
+        </p:style>
+      </p:cxnSp>
+      <p:sp>
+        <p:nvSpPr>
+          <p:cNvPr id="177" name="순서도: 수동 입력 176"/>
+          <p:cNvSpPr/>
+          <p:nvPr/>
+        </p:nvSpPr>
+        <p:spPr>
+          <a:xfrm>
+            <a:off x="5734775" y="3797958"/>
+            <a:ext cx="1248171" cy="540000"/>
+          </a:xfrm>
+          <a:prstGeom prst="flowChartManualInput">
+            <a:avLst/>
+          </a:prstGeom>
+          <a:solidFill>
+            <a:schemeClr val="bg1"/>
+          </a:solidFill>
+          <a:ln w="15875">
+            <a:solidFill>
+              <a:schemeClr val="tx1"/>
+            </a:solidFill>
+          </a:ln>
+        </p:spPr>
+        <p:style>
+          <a:lnRef idx="2">
+            <a:schemeClr val="accent1">
+              <a:shade val="50000"/>
+            </a:schemeClr>
+          </a:lnRef>
+          <a:fillRef idx="1">
+            <a:schemeClr val="accent1"/>
+          </a:fillRef>
+          <a:effectRef idx="0">
+            <a:schemeClr val="accent1"/>
+          </a:effectRef>
+          <a:fontRef idx="minor">
+            <a:schemeClr val="lt1"/>
+          </a:fontRef>
+        </p:style>
+        <p:txBody>
+          <a:bodyPr rot="0" spcFirstLastPara="0" vertOverflow="overflow" horzOverflow="overflow" vert="horz" wrap="square" lIns="91440" tIns="45720" rIns="91440" bIns="45720" numCol="1" spcCol="0" rtlCol="0" fromWordArt="0" anchor="ctr" anchorCtr="0" forceAA="0" compatLnSpc="1">
+            <a:prstTxWarp prst="textNoShape">
+              <a:avLst/>
+            </a:prstTxWarp>
+            <a:noAutofit/>
+          </a:bodyPr>
+          <a:lstStyle/>
+          <a:p>
+            <a:pPr algn="ctr"/>
+            <a:r>
+              <a:rPr lang="ko-KR" altLang="en-US" sz="1200" dirty="0" smtClean="0">
+                <a:solidFill>
+                  <a:schemeClr val="tx1"/>
+                </a:solidFill>
+                <a:latin typeface="+mn-ea"/>
+              </a:rPr>
+              <a:t>비밀번호</a:t>
+            </a:r>
+            <a:endParaRPr lang="en-US" altLang="ko-KR" sz="1200" dirty="0" smtClean="0">
+              <a:solidFill>
+                <a:schemeClr val="tx1"/>
+              </a:solidFill>
+              <a:latin typeface="+mn-ea"/>
+            </a:endParaRPr>
+          </a:p>
+          <a:p>
+            <a:pPr algn="ctr"/>
+            <a:r>
+              <a:rPr lang="ko-KR" altLang="en-US" sz="1200" dirty="0" smtClean="0">
+                <a:solidFill>
+                  <a:schemeClr val="tx1"/>
+                </a:solidFill>
+                <a:latin typeface="+mn-ea"/>
+              </a:rPr>
+              <a:t>확인</a:t>
+            </a:r>
+            <a:endParaRPr lang="ko-KR" altLang="en-US" sz="1200" dirty="0" smtClean="0">
+              <a:solidFill>
+                <a:schemeClr val="tx1"/>
+              </a:solidFill>
+              <a:latin typeface="+mn-ea"/>
+            </a:endParaRPr>
+          </a:p>
+        </p:txBody>
+      </p:sp>
+      <p:sp>
+        <p:nvSpPr>
+          <p:cNvPr id="178" name="순서도: 판단 177"/>
+          <p:cNvSpPr/>
+          <p:nvPr/>
+        </p:nvSpPr>
+        <p:spPr>
+          <a:xfrm>
+            <a:off x="3224369" y="3797958"/>
+            <a:ext cx="1800000" cy="540000"/>
+          </a:xfrm>
+          <a:prstGeom prst="flowChartDecision">
+            <a:avLst/>
+          </a:prstGeom>
+          <a:solidFill>
+            <a:schemeClr val="bg1"/>
+          </a:solidFill>
+          <a:ln w="15875">
+            <a:solidFill>
+              <a:schemeClr val="tx1"/>
+            </a:solidFill>
+          </a:ln>
+        </p:spPr>
+        <p:style>
+          <a:lnRef idx="2">
+            <a:schemeClr val="accent1">
+              <a:shade val="50000"/>
+            </a:schemeClr>
+          </a:lnRef>
+          <a:fillRef idx="1">
+            <a:schemeClr val="accent1"/>
+          </a:fillRef>
+          <a:effectRef idx="0">
+            <a:schemeClr val="accent1"/>
+          </a:effectRef>
+          <a:fontRef idx="minor">
+            <a:schemeClr val="lt1"/>
+          </a:fontRef>
+        </p:style>
+        <p:txBody>
+          <a:bodyPr rot="0" spcFirstLastPara="0" vertOverflow="overflow" horzOverflow="overflow" vert="horz" wrap="square" lIns="91440" tIns="45720" rIns="91440" bIns="45720" numCol="1" spcCol="0" rtlCol="0" fromWordArt="0" anchor="ctr" anchorCtr="0" forceAA="0" compatLnSpc="1">
+            <a:prstTxWarp prst="textNoShape">
+              <a:avLst/>
+            </a:prstTxWarp>
+            <a:noAutofit/>
+          </a:bodyPr>
+          <a:lstStyle/>
+          <a:p>
+            <a:pPr algn="ctr"/>
+            <a:r>
+              <a:rPr lang="ko-KR" altLang="en-US" sz="1200" dirty="0" smtClean="0">
+                <a:solidFill>
+                  <a:schemeClr val="tx1"/>
+                </a:solidFill>
+                <a:latin typeface="+mn-ea"/>
+              </a:rPr>
+              <a:t>비밀번호</a:t>
+            </a:r>
+            <a:endParaRPr lang="en-US" altLang="ko-KR" sz="1200" dirty="0" smtClean="0">
+              <a:solidFill>
+                <a:schemeClr val="tx1"/>
+              </a:solidFill>
+              <a:latin typeface="+mn-ea"/>
+            </a:endParaRPr>
+          </a:p>
+          <a:p>
+            <a:pPr algn="ctr"/>
+            <a:r>
+              <a:rPr lang="ko-KR" altLang="en-US" sz="1200" dirty="0" smtClean="0">
+                <a:solidFill>
+                  <a:schemeClr val="tx1"/>
+                </a:solidFill>
+                <a:latin typeface="+mn-ea"/>
+              </a:rPr>
+              <a:t>확인</a:t>
+            </a:r>
+            <a:endParaRPr lang="en-US" altLang="ko-KR" sz="1200" dirty="0" smtClean="0">
+              <a:solidFill>
+                <a:schemeClr val="tx1"/>
+              </a:solidFill>
+              <a:latin typeface="+mn-ea"/>
+            </a:endParaRPr>
+          </a:p>
+        </p:txBody>
+      </p:sp>
+      <p:sp>
+        <p:nvSpPr>
+          <p:cNvPr id="181" name="순서도: 처리 180"/>
+          <p:cNvSpPr/>
+          <p:nvPr/>
+        </p:nvSpPr>
+        <p:spPr>
+          <a:xfrm>
+            <a:off x="3899202" y="2901709"/>
+            <a:ext cx="975209" cy="424460"/>
+          </a:xfrm>
+          <a:prstGeom prst="flowChartProcess">
+            <a:avLst/>
+          </a:prstGeom>
+          <a:solidFill>
+            <a:schemeClr val="bg1"/>
+          </a:solidFill>
+          <a:ln w="15875">
+            <a:solidFill>
+              <a:schemeClr val="tx1"/>
+            </a:solidFill>
+          </a:ln>
+        </p:spPr>
+        <p:style>
+          <a:lnRef idx="2">
+            <a:schemeClr val="accent1">
+              <a:shade val="50000"/>
+            </a:schemeClr>
+          </a:lnRef>
+          <a:fillRef idx="1">
+            <a:schemeClr val="accent1"/>
+          </a:fillRef>
+          <a:effectRef idx="0">
+            <a:schemeClr val="accent1"/>
+          </a:effectRef>
+          <a:fontRef idx="minor">
+            <a:schemeClr val="lt1"/>
+          </a:fontRef>
+        </p:style>
+        <p:txBody>
+          <a:bodyPr rot="0" spcFirstLastPara="0" vertOverflow="overflow" horzOverflow="overflow" vert="horz" wrap="square" lIns="91440" tIns="45720" rIns="91440" bIns="45720" numCol="1" spcCol="0" rtlCol="0" fromWordArt="0" anchor="ctr" anchorCtr="0" forceAA="0" compatLnSpc="1">
+            <a:prstTxWarp prst="textNoShape">
+              <a:avLst/>
+            </a:prstTxWarp>
+            <a:noAutofit/>
+          </a:bodyPr>
+          <a:lstStyle/>
+          <a:p>
+            <a:pPr algn="ctr"/>
+            <a:r>
+              <a:rPr lang="ko-KR" altLang="en-US" sz="1200" dirty="0" smtClean="0">
+                <a:solidFill>
+                  <a:schemeClr val="tx1"/>
+                </a:solidFill>
+              </a:rPr>
+              <a:t>거부</a:t>
+            </a:r>
+            <a:endParaRPr lang="en-US" altLang="ko-KR" sz="1200" dirty="0" smtClean="0">
+              <a:solidFill>
+                <a:schemeClr val="tx1"/>
+              </a:solidFill>
+            </a:endParaRPr>
+          </a:p>
+          <a:p>
+            <a:pPr algn="ctr"/>
+            <a:r>
+              <a:rPr lang="en-US" altLang="ko-KR" sz="1200" dirty="0" smtClean="0">
+                <a:solidFill>
+                  <a:schemeClr val="tx1"/>
+                </a:solidFill>
+              </a:rPr>
+              <a:t>(</a:t>
+            </a:r>
+            <a:r>
+              <a:rPr lang="ko-KR" altLang="en-US" sz="1200" dirty="0" err="1" smtClean="0">
+                <a:solidFill>
+                  <a:schemeClr val="tx1"/>
+                </a:solidFill>
+              </a:rPr>
+              <a:t>하단표시</a:t>
+            </a:r>
+            <a:r>
+              <a:rPr lang="en-US" altLang="ko-KR" sz="1200" dirty="0" smtClean="0">
+                <a:solidFill>
+                  <a:schemeClr val="tx1"/>
+                </a:solidFill>
+              </a:rPr>
+              <a:t>)</a:t>
+            </a:r>
+            <a:endParaRPr lang="ko-KR" altLang="en-US" sz="1200" dirty="0" smtClean="0">
+              <a:solidFill>
+                <a:schemeClr val="tx1"/>
+              </a:solidFill>
+            </a:endParaRPr>
+          </a:p>
+        </p:txBody>
+      </p:sp>
+      <p:sp>
+        <p:nvSpPr>
+          <p:cNvPr id="187" name="순서도: 처리 186"/>
+          <p:cNvSpPr/>
+          <p:nvPr/>
+        </p:nvSpPr>
+        <p:spPr>
+          <a:xfrm>
+            <a:off x="1205740" y="3807438"/>
+            <a:ext cx="1080000" cy="540000"/>
+          </a:xfrm>
+          <a:prstGeom prst="flowChartProcess">
+            <a:avLst/>
+          </a:prstGeom>
+          <a:solidFill>
+            <a:schemeClr val="bg1"/>
+          </a:solidFill>
+          <a:ln w="15875">
+            <a:solidFill>
+              <a:schemeClr val="tx1"/>
+            </a:solidFill>
+          </a:ln>
+        </p:spPr>
+        <p:style>
+          <a:lnRef idx="2">
+            <a:schemeClr val="accent1">
+              <a:shade val="50000"/>
+            </a:schemeClr>
+          </a:lnRef>
+          <a:fillRef idx="1">
+            <a:schemeClr val="accent1"/>
+          </a:fillRef>
+          <a:effectRef idx="0">
+            <a:schemeClr val="accent1"/>
+          </a:effectRef>
+          <a:fontRef idx="minor">
+            <a:schemeClr val="lt1"/>
+          </a:fontRef>
+        </p:style>
+        <p:txBody>
+          <a:bodyPr rot="0" spcFirstLastPara="0" vertOverflow="overflow" horzOverflow="overflow" vert="horz" wrap="square" lIns="91440" tIns="45720" rIns="91440" bIns="45720" numCol="1" spcCol="0" rtlCol="0" fromWordArt="0" anchor="ctr" anchorCtr="0" forceAA="0" compatLnSpc="1">
+            <a:prstTxWarp prst="textNoShape">
+              <a:avLst/>
+            </a:prstTxWarp>
+            <a:noAutofit/>
+          </a:bodyPr>
+          <a:lstStyle/>
+          <a:p>
+            <a:pPr algn="ctr"/>
+            <a:r>
+              <a:rPr lang="ko-KR" altLang="en-US" sz="1200" dirty="0">
+                <a:solidFill>
+                  <a:schemeClr val="tx1"/>
+                </a:solidFill>
+              </a:rPr>
+              <a:t>확인</a:t>
+            </a:r>
+            <a:endParaRPr lang="en-US" altLang="ko-KR" sz="1200" dirty="0">
+              <a:solidFill>
+                <a:schemeClr val="tx1"/>
+              </a:solidFill>
+            </a:endParaRPr>
+          </a:p>
+          <a:p>
+            <a:pPr algn="ctr"/>
+            <a:r>
+              <a:rPr lang="en-US" altLang="ko-KR" sz="1200" dirty="0">
+                <a:solidFill>
+                  <a:schemeClr val="tx1"/>
+                </a:solidFill>
+              </a:rPr>
+              <a:t>(</a:t>
+            </a:r>
+            <a:r>
+              <a:rPr lang="ko-KR" altLang="en-US" sz="1200" dirty="0" err="1">
+                <a:solidFill>
+                  <a:schemeClr val="tx1"/>
+                </a:solidFill>
+              </a:rPr>
+              <a:t>하단표시</a:t>
+            </a:r>
+            <a:r>
+              <a:rPr lang="en-US" altLang="ko-KR" sz="1200" dirty="0">
+                <a:solidFill>
+                  <a:schemeClr val="tx1"/>
+                </a:solidFill>
+              </a:rPr>
+              <a:t>)</a:t>
+            </a:r>
+            <a:endParaRPr lang="ko-KR" altLang="en-US" sz="1200" dirty="0">
+              <a:solidFill>
+                <a:schemeClr val="tx1"/>
+              </a:solidFill>
+            </a:endParaRPr>
+          </a:p>
+        </p:txBody>
+      </p:sp>
+      <p:sp>
+        <p:nvSpPr>
+          <p:cNvPr id="195" name="순서도: 수동 입력 194"/>
+          <p:cNvSpPr/>
+          <p:nvPr/>
+        </p:nvSpPr>
+        <p:spPr>
+          <a:xfrm>
+            <a:off x="1114155" y="6036094"/>
+            <a:ext cx="1248171" cy="540000"/>
+          </a:xfrm>
+          <a:prstGeom prst="flowChartManualInput">
+            <a:avLst/>
+          </a:prstGeom>
+          <a:solidFill>
+            <a:schemeClr val="bg1"/>
+          </a:solidFill>
+          <a:ln w="15875">
+            <a:solidFill>
+              <a:schemeClr val="tx1"/>
+            </a:solidFill>
+          </a:ln>
+        </p:spPr>
+        <p:style>
+          <a:lnRef idx="2">
+            <a:schemeClr val="accent1">
+              <a:shade val="50000"/>
+            </a:schemeClr>
+          </a:lnRef>
+          <a:fillRef idx="1">
+            <a:schemeClr val="accent1"/>
+          </a:fillRef>
+          <a:effectRef idx="0">
+            <a:schemeClr val="accent1"/>
+          </a:effectRef>
+          <a:fontRef idx="minor">
+            <a:schemeClr val="lt1"/>
+          </a:fontRef>
+        </p:style>
+        <p:txBody>
+          <a:bodyPr rot="0" spcFirstLastPara="0" vertOverflow="overflow" horzOverflow="overflow" vert="horz" wrap="square" lIns="91440" tIns="45720" rIns="91440" bIns="45720" numCol="1" spcCol="0" rtlCol="0" fromWordArt="0" anchor="ctr" anchorCtr="0" forceAA="0" compatLnSpc="1">
+            <a:prstTxWarp prst="textNoShape">
+              <a:avLst/>
+            </a:prstTxWarp>
+            <a:noAutofit/>
+          </a:bodyPr>
+          <a:lstStyle/>
+          <a:p>
+            <a:pPr algn="ctr"/>
+            <a:r>
+              <a:rPr lang="ko-KR" altLang="en-US" sz="1200" dirty="0" smtClean="0">
+                <a:solidFill>
+                  <a:schemeClr val="tx1"/>
+                </a:solidFill>
+                <a:latin typeface="+mn-ea"/>
+              </a:rPr>
+              <a:t>성명</a:t>
+            </a:r>
+            <a:endParaRPr lang="en-US" altLang="ko-KR" sz="1200" dirty="0" smtClean="0">
+              <a:solidFill>
+                <a:schemeClr val="tx1"/>
+              </a:solidFill>
+              <a:latin typeface="+mn-ea"/>
+            </a:endParaRPr>
+          </a:p>
+        </p:txBody>
+      </p:sp>
+      <p:sp>
+        <p:nvSpPr>
+          <p:cNvPr id="196" name="순서도: 수동 입력 195"/>
+          <p:cNvSpPr/>
+          <p:nvPr/>
+        </p:nvSpPr>
+        <p:spPr>
+          <a:xfrm>
+            <a:off x="3512446" y="6036094"/>
+            <a:ext cx="1248171" cy="540000"/>
+          </a:xfrm>
+          <a:prstGeom prst="flowChartManualInput">
+            <a:avLst/>
+          </a:prstGeom>
+          <a:solidFill>
+            <a:schemeClr val="bg1"/>
+          </a:solidFill>
+          <a:ln w="15875">
+            <a:solidFill>
+              <a:schemeClr val="tx1"/>
+            </a:solidFill>
+          </a:ln>
+        </p:spPr>
+        <p:style>
+          <a:lnRef idx="2">
+            <a:schemeClr val="accent1">
+              <a:shade val="50000"/>
+            </a:schemeClr>
+          </a:lnRef>
+          <a:fillRef idx="1">
+            <a:schemeClr val="accent1"/>
+          </a:fillRef>
+          <a:effectRef idx="0">
+            <a:schemeClr val="accent1"/>
+          </a:effectRef>
+          <a:fontRef idx="minor">
+            <a:schemeClr val="lt1"/>
+          </a:fontRef>
+        </p:style>
+        <p:txBody>
+          <a:bodyPr rot="0" spcFirstLastPara="0" vertOverflow="overflow" horzOverflow="overflow" vert="horz" wrap="square" lIns="91440" tIns="45720" rIns="91440" bIns="45720" numCol="1" spcCol="0" rtlCol="0" fromWordArt="0" anchor="ctr" anchorCtr="0" forceAA="0" compatLnSpc="1">
+            <a:prstTxWarp prst="textNoShape">
+              <a:avLst/>
+            </a:prstTxWarp>
+            <a:noAutofit/>
+          </a:bodyPr>
+          <a:lstStyle/>
+          <a:p>
+            <a:pPr algn="ctr"/>
+            <a:r>
+              <a:rPr lang="ko-KR" altLang="en-US" sz="1200" dirty="0" smtClean="0">
+                <a:solidFill>
+                  <a:schemeClr val="tx1"/>
+                </a:solidFill>
+                <a:latin typeface="+mn-ea"/>
+              </a:rPr>
+              <a:t>전화번호</a:t>
+            </a:r>
+            <a:endParaRPr lang="en-US" altLang="ko-KR" sz="1200" dirty="0" smtClean="0">
+              <a:solidFill>
+                <a:schemeClr val="tx1"/>
+              </a:solidFill>
+              <a:latin typeface="+mn-ea"/>
+            </a:endParaRPr>
+          </a:p>
+        </p:txBody>
+      </p:sp>
+      <p:sp>
+        <p:nvSpPr>
+          <p:cNvPr id="213" name="순서도: 수동 입력 212"/>
+          <p:cNvSpPr/>
+          <p:nvPr/>
+        </p:nvSpPr>
+        <p:spPr>
+          <a:xfrm>
+            <a:off x="7531674" y="4809871"/>
+            <a:ext cx="1248171" cy="540000"/>
+          </a:xfrm>
+          <a:prstGeom prst="flowChartManualInput">
+            <a:avLst/>
+          </a:prstGeom>
+          <a:solidFill>
+            <a:schemeClr val="bg1"/>
+          </a:solidFill>
+          <a:ln w="15875">
+            <a:solidFill>
+              <a:schemeClr val="tx1"/>
+            </a:solidFill>
+          </a:ln>
+        </p:spPr>
+        <p:style>
+          <a:lnRef idx="2">
+            <a:schemeClr val="accent1">
+              <a:shade val="50000"/>
+            </a:schemeClr>
+          </a:lnRef>
+          <a:fillRef idx="1">
+            <a:schemeClr val="accent1"/>
+          </a:fillRef>
+          <a:effectRef idx="0">
+            <a:schemeClr val="accent1"/>
+          </a:effectRef>
+          <a:fontRef idx="minor">
+            <a:schemeClr val="lt1"/>
+          </a:fontRef>
+        </p:style>
+        <p:txBody>
+          <a:bodyPr rot="0" spcFirstLastPara="0" vertOverflow="overflow" horzOverflow="overflow" vert="horz" wrap="square" lIns="91440" tIns="45720" rIns="91440" bIns="45720" numCol="1" spcCol="0" rtlCol="0" fromWordArt="0" anchor="ctr" anchorCtr="0" forceAA="0" compatLnSpc="1">
+            <a:prstTxWarp prst="textNoShape">
+              <a:avLst/>
+            </a:prstTxWarp>
+            <a:noAutofit/>
+          </a:bodyPr>
+          <a:lstStyle/>
+          <a:p>
+            <a:pPr algn="ctr"/>
+            <a:r>
+              <a:rPr lang="ko-KR" altLang="en-US" sz="1200" dirty="0" smtClean="0">
+                <a:solidFill>
+                  <a:schemeClr val="tx1"/>
+                </a:solidFill>
+                <a:latin typeface="+mn-ea"/>
+              </a:rPr>
+              <a:t>필수 항목</a:t>
+            </a:r>
+            <a:endParaRPr lang="en-US" altLang="ko-KR" sz="1200" dirty="0" smtClean="0">
+              <a:solidFill>
+                <a:schemeClr val="tx1"/>
+              </a:solidFill>
+              <a:latin typeface="+mn-ea"/>
+            </a:endParaRPr>
+          </a:p>
+          <a:p>
+            <a:pPr algn="ctr"/>
+            <a:r>
+              <a:rPr lang="ko-KR" altLang="en-US" sz="1200" dirty="0" smtClean="0">
+                <a:solidFill>
+                  <a:schemeClr val="tx1"/>
+                </a:solidFill>
+                <a:latin typeface="+mn-ea"/>
+              </a:rPr>
+              <a:t>재입력</a:t>
+            </a:r>
+            <a:endParaRPr lang="en-US" altLang="ko-KR" sz="1200" dirty="0" smtClean="0">
+              <a:solidFill>
+                <a:schemeClr val="tx1"/>
+              </a:solidFill>
+              <a:latin typeface="+mn-ea"/>
+            </a:endParaRPr>
+          </a:p>
+        </p:txBody>
+      </p:sp>
+      <p:cxnSp>
+        <p:nvCxnSpPr>
+          <p:cNvPr id="215" name="직선 화살표 연결선 214"/>
+          <p:cNvCxnSpPr>
+            <a:stCxn id="213" idx="2"/>
+            <a:endCxn id="108" idx="0"/>
+          </p:cNvCxnSpPr>
+          <p:nvPr/>
+        </p:nvCxnSpPr>
+        <p:spPr>
+          <a:xfrm>
+            <a:off x="8155760" y="5349871"/>
+            <a:ext cx="462789" cy="670554"/>
+          </a:xfrm>
+          <a:prstGeom prst="straightConnector1">
+            <a:avLst/>
+          </a:prstGeom>
+          <a:ln w="15875">
+            <a:solidFill>
+              <a:schemeClr val="tx1"/>
+            </a:solidFill>
+            <a:tailEnd type="stealth"/>
+          </a:ln>
+        </p:spPr>
+        <p:style>
+          <a:lnRef idx="1">
+            <a:schemeClr val="accent1"/>
+          </a:lnRef>
+          <a:fillRef idx="0">
+            <a:schemeClr val="accent1"/>
+          </a:fillRef>
+          <a:effectRef idx="0">
+            <a:schemeClr val="accent1"/>
+          </a:effectRef>
+          <a:fontRef idx="minor">
+            <a:schemeClr val="tx1"/>
+          </a:fontRef>
+        </p:style>
+      </p:cxnSp>
+      <p:cxnSp>
+        <p:nvCxnSpPr>
+          <p:cNvPr id="226" name="직선 화살표 연결선 225"/>
+          <p:cNvCxnSpPr>
+            <a:stCxn id="187" idx="2"/>
+            <a:endCxn id="195" idx="0"/>
+          </p:cNvCxnSpPr>
+          <p:nvPr/>
+        </p:nvCxnSpPr>
+        <p:spPr>
+          <a:xfrm flipH="1">
+            <a:off x="1738241" y="4347438"/>
+            <a:ext cx="7499" cy="1742656"/>
+          </a:xfrm>
+          <a:prstGeom prst="straightConnector1">
+            <a:avLst/>
+          </a:prstGeom>
+          <a:ln w="15875">
+            <a:solidFill>
+              <a:schemeClr val="tx1"/>
+            </a:solidFill>
+            <a:tailEnd type="stealth"/>
+          </a:ln>
+        </p:spPr>
+        <p:style>
+          <a:lnRef idx="1">
+            <a:schemeClr val="accent1"/>
+          </a:lnRef>
+          <a:fillRef idx="0">
+            <a:schemeClr val="accent1"/>
+          </a:fillRef>
+          <a:effectRef idx="0">
+            <a:schemeClr val="accent1"/>
+          </a:effectRef>
+          <a:fontRef idx="minor">
+            <a:schemeClr val="tx1"/>
+          </a:fontRef>
+        </p:style>
+      </p:cxnSp>
+      <p:cxnSp>
+        <p:nvCxnSpPr>
+          <p:cNvPr id="237" name="직선 화살표 연결선 236"/>
+          <p:cNvCxnSpPr>
+            <a:stCxn id="108" idx="3"/>
+            <a:endCxn id="194" idx="1"/>
+          </p:cNvCxnSpPr>
+          <p:nvPr/>
+        </p:nvCxnSpPr>
+        <p:spPr>
+          <a:xfrm>
+            <a:off x="9518549" y="6290425"/>
+            <a:ext cx="706822" cy="119"/>
+          </a:xfrm>
+          <a:prstGeom prst="straightConnector1">
+            <a:avLst/>
+          </a:prstGeom>
+          <a:ln w="15875">
+            <a:solidFill>
+              <a:schemeClr val="tx1"/>
+            </a:solidFill>
+            <a:tailEnd type="stealth"/>
+          </a:ln>
+        </p:spPr>
+        <p:style>
+          <a:lnRef idx="1">
+            <a:schemeClr val="accent1"/>
+          </a:lnRef>
+          <a:fillRef idx="0">
+            <a:schemeClr val="accent1"/>
+          </a:fillRef>
+          <a:effectRef idx="0">
+            <a:schemeClr val="accent1"/>
+          </a:effectRef>
+          <a:fontRef idx="minor">
+            <a:schemeClr val="tx1"/>
+          </a:fontRef>
+        </p:style>
+      </p:cxnSp>
+      <p:sp>
+        <p:nvSpPr>
+          <p:cNvPr id="249" name="순서도: 수동 입력 248"/>
+          <p:cNvSpPr/>
+          <p:nvPr/>
+        </p:nvSpPr>
+        <p:spPr>
+          <a:xfrm>
+            <a:off x="5734774" y="6023045"/>
+            <a:ext cx="1248171" cy="540000"/>
+          </a:xfrm>
+          <a:prstGeom prst="flowChartManualInput">
+            <a:avLst/>
+          </a:prstGeom>
+          <a:solidFill>
+            <a:schemeClr val="bg1"/>
+          </a:solidFill>
+          <a:ln w="15875">
+            <a:solidFill>
+              <a:schemeClr val="tx1"/>
+            </a:solidFill>
+          </a:ln>
+        </p:spPr>
+        <p:style>
+          <a:lnRef idx="2">
+            <a:schemeClr val="accent1">
+              <a:shade val="50000"/>
+            </a:schemeClr>
+          </a:lnRef>
+          <a:fillRef idx="1">
+            <a:schemeClr val="accent1"/>
+          </a:fillRef>
+          <a:effectRef idx="0">
+            <a:schemeClr val="accent1"/>
+          </a:effectRef>
+          <a:fontRef idx="minor">
+            <a:schemeClr val="lt1"/>
+          </a:fontRef>
+        </p:style>
+        <p:txBody>
+          <a:bodyPr rot="0" spcFirstLastPara="0" vertOverflow="overflow" horzOverflow="overflow" vert="horz" wrap="square" lIns="91440" tIns="45720" rIns="91440" bIns="45720" numCol="1" spcCol="0" rtlCol="0" fromWordArt="0" anchor="ctr" anchorCtr="0" forceAA="0" compatLnSpc="1">
+            <a:prstTxWarp prst="textNoShape">
+              <a:avLst/>
+            </a:prstTxWarp>
+            <a:noAutofit/>
+          </a:bodyPr>
+          <a:lstStyle/>
+          <a:p>
+            <a:pPr algn="ctr"/>
+            <a:r>
+              <a:rPr lang="ko-KR" altLang="en-US" sz="1200" smtClean="0">
+                <a:solidFill>
+                  <a:schemeClr val="tx1"/>
+                </a:solidFill>
+                <a:latin typeface="+mn-ea"/>
+              </a:rPr>
+              <a:t>이메일</a:t>
+            </a:r>
+            <a:endParaRPr lang="en-US" altLang="ko-KR" sz="1200" dirty="0" smtClean="0">
+              <a:solidFill>
+                <a:schemeClr val="tx1"/>
+              </a:solidFill>
+              <a:latin typeface="+mn-ea"/>
+            </a:endParaRPr>
+          </a:p>
+        </p:txBody>
+      </p:sp>
+      <p:cxnSp>
+        <p:nvCxnSpPr>
+          <p:cNvPr id="253" name="직선 화살표 연결선 252"/>
+          <p:cNvCxnSpPr>
+            <a:stCxn id="249" idx="3"/>
+            <a:endCxn id="108" idx="1"/>
+          </p:cNvCxnSpPr>
+          <p:nvPr/>
+        </p:nvCxnSpPr>
+        <p:spPr>
+          <a:xfrm flipV="1">
+            <a:off x="6982945" y="6290425"/>
+            <a:ext cx="735604" cy="2620"/>
+          </a:xfrm>
+          <a:prstGeom prst="straightConnector1">
+            <a:avLst/>
+          </a:prstGeom>
+          <a:ln w="15875">
+            <a:solidFill>
+              <a:schemeClr val="tx1"/>
+            </a:solidFill>
+            <a:tailEnd type="stealth"/>
+          </a:ln>
+        </p:spPr>
+        <p:style>
+          <a:lnRef idx="1">
+            <a:schemeClr val="accent1"/>
+          </a:lnRef>
+          <a:fillRef idx="0">
+            <a:schemeClr val="accent1"/>
+          </a:fillRef>
+          <a:effectRef idx="0">
+            <a:schemeClr val="accent1"/>
+          </a:effectRef>
+          <a:fontRef idx="minor">
+            <a:schemeClr val="tx1"/>
+          </a:fontRef>
+        </p:style>
+      </p:cxnSp>
+    </p:spTree>
+    <p:extLst>
+      <p:ext uri="{BB962C8B-B14F-4D97-AF65-F5344CB8AC3E}">
+        <p14:creationId xmlns:p14="http://schemas.microsoft.com/office/powerpoint/2010/main" val="3276034787"/>
+      </p:ext>
+    </p:extLst>
+  </p:cSld>
+  <p:clrMapOvr>
+    <a:masterClrMapping/>
+  </p:clrMapOvr>
+</p:sld>
+</file>
+
+<file path=ppt/slides/slide6.xml><?xml version="1.0" encoding="utf-8"?>
 <p:sld xmlns:a="http://schemas.openxmlformats.org/drawingml/2006/main" xmlns:r="http://schemas.openxmlformats.org/officeDocument/2006/relationships" xmlns:p="http://schemas.openxmlformats.org/presentationml/2006/main">
   <p:cSld>
     <p:spTree>
